--- a/Phenix.Extensions/Phenix.WebApplication/Phenix.WebApplication.用EventLogController归集系统日志.pptx
+++ b/Phenix.Extensions/Phenix.WebApplication/Phenix.WebApplication.用EventLogController归集系统日志.pptx
@@ -7,10 +7,11 @@
   <p:sldIdLst>
     <p:sldId id="256" r:id="rId2"/>
     <p:sldId id="257" r:id="rId3"/>
-    <p:sldId id="258" r:id="rId4"/>
-    <p:sldId id="259" r:id="rId5"/>
-    <p:sldId id="260" r:id="rId6"/>
-    <p:sldId id="261" r:id="rId7"/>
+    <p:sldId id="262" r:id="rId4"/>
+    <p:sldId id="258" r:id="rId5"/>
+    <p:sldId id="259" r:id="rId6"/>
+    <p:sldId id="260" r:id="rId7"/>
+    <p:sldId id="261" r:id="rId8"/>
   </p:sldIdLst>
   <p:sldSz cx="12192000" cy="6858000"/>
   <p:notesSz cx="6858000" cy="9144000"/>
@@ -288,7 +289,7 @@
           <a:p>
             <a:fld id="{45C704A5-4FA5-4342-B84A-3C41189E41FF}" type="datetimeFigureOut">
               <a:rPr lang="zh-CN" altLang="en-US" smtClean="0"/>
-              <a:t>2019-08-29</a:t>
+              <a:t>2019-09-07</a:t>
             </a:fld>
             <a:endParaRPr lang="zh-CN" altLang="en-US"/>
           </a:p>
@@ -600,7 +601,7 @@
           <a:p>
             <a:fld id="{45C704A5-4FA5-4342-B84A-3C41189E41FF}" type="datetimeFigureOut">
               <a:rPr lang="zh-CN" altLang="en-US" smtClean="0"/>
-              <a:t>2019-08-29</a:t>
+              <a:t>2019-09-07</a:t>
             </a:fld>
             <a:endParaRPr lang="zh-CN" altLang="en-US"/>
           </a:p>
@@ -822,7 +823,7 @@
           <a:p>
             <a:fld id="{45C704A5-4FA5-4342-B84A-3C41189E41FF}" type="datetimeFigureOut">
               <a:rPr lang="zh-CN" altLang="en-US" smtClean="0"/>
-              <a:t>2019-08-29</a:t>
+              <a:t>2019-09-07</a:t>
             </a:fld>
             <a:endParaRPr lang="zh-CN" altLang="en-US"/>
           </a:p>
@@ -1113,7 +1114,7 @@
           <a:p>
             <a:fld id="{45C704A5-4FA5-4342-B84A-3C41189E41FF}" type="datetimeFigureOut">
               <a:rPr lang="zh-CN" altLang="en-US" smtClean="0"/>
-              <a:t>2019-08-29</a:t>
+              <a:t>2019-09-07</a:t>
             </a:fld>
             <a:endParaRPr lang="zh-CN" altLang="en-US"/>
           </a:p>
@@ -1567,7 +1568,7 @@
           <a:p>
             <a:fld id="{45C704A5-4FA5-4342-B84A-3C41189E41FF}" type="datetimeFigureOut">
               <a:rPr lang="zh-CN" altLang="en-US" smtClean="0"/>
-              <a:t>2019-08-29</a:t>
+              <a:t>2019-09-07</a:t>
             </a:fld>
             <a:endParaRPr lang="zh-CN" altLang="en-US"/>
           </a:p>
@@ -2143,7 +2144,7 @@
           <a:p>
             <a:fld id="{45C704A5-4FA5-4342-B84A-3C41189E41FF}" type="datetimeFigureOut">
               <a:rPr lang="zh-CN" altLang="en-US" smtClean="0"/>
-              <a:t>2019-08-29</a:t>
+              <a:t>2019-09-07</a:t>
             </a:fld>
             <a:endParaRPr lang="zh-CN" altLang="en-US"/>
           </a:p>
@@ -2995,7 +2996,7 @@
           <a:p>
             <a:fld id="{45C704A5-4FA5-4342-B84A-3C41189E41FF}" type="datetimeFigureOut">
               <a:rPr lang="zh-CN" altLang="en-US" smtClean="0"/>
-              <a:t>2019-08-29</a:t>
+              <a:t>2019-09-07</a:t>
             </a:fld>
             <a:endParaRPr lang="zh-CN" altLang="en-US"/>
           </a:p>
@@ -3200,7 +3201,7 @@
           <a:p>
             <a:fld id="{45C704A5-4FA5-4342-B84A-3C41189E41FF}" type="datetimeFigureOut">
               <a:rPr lang="zh-CN" altLang="en-US" smtClean="0"/>
-              <a:t>2019-08-29</a:t>
+              <a:t>2019-09-07</a:t>
             </a:fld>
             <a:endParaRPr lang="zh-CN" altLang="en-US"/>
           </a:p>
@@ -3414,7 +3415,7 @@
           <a:p>
             <a:fld id="{45C704A5-4FA5-4342-B84A-3C41189E41FF}" type="datetimeFigureOut">
               <a:rPr lang="zh-CN" altLang="en-US" smtClean="0"/>
-              <a:t>2019-08-29</a:t>
+              <a:t>2019-09-07</a:t>
             </a:fld>
             <a:endParaRPr lang="zh-CN" altLang="en-US"/>
           </a:p>
@@ -3619,7 +3620,7 @@
           <a:p>
             <a:fld id="{45C704A5-4FA5-4342-B84A-3C41189E41FF}" type="datetimeFigureOut">
               <a:rPr lang="zh-CN" altLang="en-US" smtClean="0"/>
-              <a:t>2019-08-29</a:t>
+              <a:t>2019-09-07</a:t>
             </a:fld>
             <a:endParaRPr lang="zh-CN" altLang="en-US"/>
           </a:p>
@@ -3899,7 +3900,7 @@
           <a:p>
             <a:fld id="{45C704A5-4FA5-4342-B84A-3C41189E41FF}" type="datetimeFigureOut">
               <a:rPr lang="zh-CN" altLang="en-US" smtClean="0"/>
-              <a:t>2019-08-29</a:t>
+              <a:t>2019-09-07</a:t>
             </a:fld>
             <a:endParaRPr lang="zh-CN" altLang="en-US"/>
           </a:p>
@@ -4166,7 +4167,7 @@
           <a:p>
             <a:fld id="{45C704A5-4FA5-4342-B84A-3C41189E41FF}" type="datetimeFigureOut">
               <a:rPr lang="zh-CN" altLang="en-US" smtClean="0"/>
-              <a:t>2019-08-29</a:t>
+              <a:t>2019-09-07</a:t>
             </a:fld>
             <a:endParaRPr lang="zh-CN" altLang="en-US"/>
           </a:p>
@@ -4581,7 +4582,7 @@
           <a:p>
             <a:fld id="{45C704A5-4FA5-4342-B84A-3C41189E41FF}" type="datetimeFigureOut">
               <a:rPr lang="zh-CN" altLang="en-US" smtClean="0"/>
-              <a:t>2019-08-29</a:t>
+              <a:t>2019-09-07</a:t>
             </a:fld>
             <a:endParaRPr lang="zh-CN" altLang="en-US"/>
           </a:p>
@@ -4729,7 +4730,7 @@
           <a:p>
             <a:fld id="{45C704A5-4FA5-4342-B84A-3C41189E41FF}" type="datetimeFigureOut">
               <a:rPr lang="zh-CN" altLang="en-US" smtClean="0"/>
-              <a:t>2019-08-29</a:t>
+              <a:t>2019-09-07</a:t>
             </a:fld>
             <a:endParaRPr lang="zh-CN" altLang="en-US"/>
           </a:p>
@@ -4854,7 +4855,7 @@
           <a:p>
             <a:fld id="{45C704A5-4FA5-4342-B84A-3C41189E41FF}" type="datetimeFigureOut">
               <a:rPr lang="zh-CN" altLang="en-US" smtClean="0"/>
-              <a:t>2019-08-29</a:t>
+              <a:t>2019-09-07</a:t>
             </a:fld>
             <a:endParaRPr lang="zh-CN" altLang="en-US"/>
           </a:p>
@@ -5133,7 +5134,7 @@
           <a:p>
             <a:fld id="{45C704A5-4FA5-4342-B84A-3C41189E41FF}" type="datetimeFigureOut">
               <a:rPr lang="zh-CN" altLang="en-US" smtClean="0"/>
-              <a:t>2019-08-29</a:t>
+              <a:t>2019-09-07</a:t>
             </a:fld>
             <a:endParaRPr lang="zh-CN" altLang="en-US"/>
           </a:p>
@@ -5445,7 +5446,7 @@
           <a:p>
             <a:fld id="{45C704A5-4FA5-4342-B84A-3C41189E41FF}" type="datetimeFigureOut">
               <a:rPr lang="zh-CN" altLang="en-US" smtClean="0"/>
-              <a:t>2019-08-29</a:t>
+              <a:t>2019-09-07</a:t>
             </a:fld>
             <a:endParaRPr lang="zh-CN" altLang="en-US"/>
           </a:p>
@@ -5698,7 +5699,7 @@
           <a:p>
             <a:fld id="{45C704A5-4FA5-4342-B84A-3C41189E41FF}" type="datetimeFigureOut">
               <a:rPr lang="zh-CN" altLang="en-US" smtClean="0"/>
-              <a:t>2019-08-29</a:t>
+              <a:t>2019-09-07</a:t>
             </a:fld>
             <a:endParaRPr lang="zh-CN" altLang="en-US"/>
           </a:p>
@@ -6259,41 +6260,11 @@
           <a:p>
             <a:r>
               <a:rPr lang="zh-CN" altLang="en-US" dirty="0"/>
-              <a:t>日志递送链路</a:t>
-            </a:r>
-          </a:p>
-        </p:txBody>
-      </p:sp>
-      <p:pic>
-        <p:nvPicPr>
-          <p:cNvPr id="7" name="图片 6">
-            <a:extLst>
-              <a:ext uri="{FF2B5EF4-FFF2-40B4-BE49-F238E27FC236}">
-                <a16:creationId xmlns:a16="http://schemas.microsoft.com/office/drawing/2014/main" id="{EF80F2FC-A62B-4EA8-9652-4F10C3605502}"/>
-              </a:ext>
-            </a:extLst>
-          </p:cNvPr>
-          <p:cNvPicPr>
-            <a:picLocks noChangeAspect="1"/>
-          </p:cNvPicPr>
-          <p:nvPr/>
-        </p:nvPicPr>
-        <p:blipFill>
-          <a:blip r:embed="rId2"/>
-          <a:stretch>
-            <a:fillRect/>
-          </a:stretch>
-        </p:blipFill>
-        <p:spPr>
-          <a:xfrm>
-            <a:off x="419493" y="1334146"/>
-            <a:ext cx="11353014" cy="5051198"/>
-          </a:xfrm>
-          <a:prstGeom prst="rect">
-            <a:avLst/>
-          </a:prstGeom>
-        </p:spPr>
-      </p:pic>
+              <a:t>日志递送过程图</a:t>
+            </a:r>
+          </a:p>
+        </p:txBody>
+      </p:sp>
       <p:sp>
         <p:nvSpPr>
           <p:cNvPr id="8" name="文本框 7">
@@ -6342,6 +6313,1235 @@
                 <a:ea typeface="宋体" panose="02010600030101010101" pitchFamily="2" charset="-122"/>
               </a:rPr>
               <a:t>个不连数据库的日志归集服务，层层递送到最后一个直连数据库的日志归集服务</a:t>
+            </a:r>
+          </a:p>
+        </p:txBody>
+      </p:sp>
+      <p:sp>
+        <p:nvSpPr>
+          <p:cNvPr id="3" name="矩形 2">
+            <a:extLst>
+              <a:ext uri="{FF2B5EF4-FFF2-40B4-BE49-F238E27FC236}">
+                <a16:creationId xmlns:a16="http://schemas.microsoft.com/office/drawing/2014/main" id="{AAF8B092-C3D1-416E-9293-810AEB92E4A3}"/>
+              </a:ext>
+            </a:extLst>
+          </p:cNvPr>
+          <p:cNvSpPr/>
+          <p:nvPr/>
+        </p:nvSpPr>
+        <p:spPr>
+          <a:xfrm>
+            <a:off x="1428626" y="1601386"/>
+            <a:ext cx="5750585" cy="4082977"/>
+          </a:xfrm>
+          <a:prstGeom prst="rect">
+            <a:avLst/>
+          </a:prstGeom>
+          <a:solidFill>
+            <a:schemeClr val="accent1">
+              <a:alpha val="50000"/>
+            </a:schemeClr>
+          </a:solidFill>
+          <a:ln>
+            <a:noFill/>
+          </a:ln>
+        </p:spPr>
+        <p:style>
+          <a:lnRef idx="0">
+            <a:scrgbClr r="0" g="0" b="0"/>
+          </a:lnRef>
+          <a:fillRef idx="0">
+            <a:scrgbClr r="0" g="0" b="0"/>
+          </a:fillRef>
+          <a:effectRef idx="0">
+            <a:scrgbClr r="0" g="0" b="0"/>
+          </a:effectRef>
+          <a:fontRef idx="minor">
+            <a:schemeClr val="lt1"/>
+          </a:fontRef>
+        </p:style>
+        <p:txBody>
+          <a:bodyPr rtlCol="0" anchor="t"/>
+          <a:lstStyle/>
+          <a:p>
+            <a:r>
+              <a:rPr lang="zh-CN" altLang="en-US" dirty="0"/>
+              <a:t>客户端</a:t>
+            </a:r>
+          </a:p>
+        </p:txBody>
+      </p:sp>
+      <p:sp>
+        <p:nvSpPr>
+          <p:cNvPr id="4" name="矩形 3">
+            <a:extLst>
+              <a:ext uri="{FF2B5EF4-FFF2-40B4-BE49-F238E27FC236}">
+                <a16:creationId xmlns:a16="http://schemas.microsoft.com/office/drawing/2014/main" id="{9DABB621-8A21-40BF-90B9-D48CF8EAF468}"/>
+              </a:ext>
+            </a:extLst>
+          </p:cNvPr>
+          <p:cNvSpPr/>
+          <p:nvPr/>
+        </p:nvSpPr>
+        <p:spPr>
+          <a:xfrm>
+            <a:off x="2271860" y="2450969"/>
+            <a:ext cx="1112363" cy="735291"/>
+          </a:xfrm>
+          <a:prstGeom prst="rect">
+            <a:avLst/>
+          </a:prstGeom>
+        </p:spPr>
+        <p:style>
+          <a:lnRef idx="2">
+            <a:schemeClr val="accent1">
+              <a:shade val="50000"/>
+            </a:schemeClr>
+          </a:lnRef>
+          <a:fillRef idx="1">
+            <a:schemeClr val="accent1"/>
+          </a:fillRef>
+          <a:effectRef idx="0">
+            <a:schemeClr val="accent1"/>
+          </a:effectRef>
+          <a:fontRef idx="minor">
+            <a:schemeClr val="lt1"/>
+          </a:fontRef>
+        </p:style>
+        <p:txBody>
+          <a:bodyPr rtlCol="0" anchor="ctr"/>
+          <a:lstStyle/>
+          <a:p>
+            <a:pPr algn="ctr"/>
+            <a:r>
+              <a:rPr lang="zh-CN" altLang="en-US" dirty="0"/>
+              <a:t>日志提交入口</a:t>
+            </a:r>
+          </a:p>
+        </p:txBody>
+      </p:sp>
+      <p:sp>
+        <p:nvSpPr>
+          <p:cNvPr id="5" name="圆柱体 4">
+            <a:extLst>
+              <a:ext uri="{FF2B5EF4-FFF2-40B4-BE49-F238E27FC236}">
+                <a16:creationId xmlns:a16="http://schemas.microsoft.com/office/drawing/2014/main" id="{85527750-46AE-4F2D-9CA3-82E8AB2486DC}"/>
+              </a:ext>
+            </a:extLst>
+          </p:cNvPr>
+          <p:cNvSpPr/>
+          <p:nvPr/>
+        </p:nvSpPr>
+        <p:spPr>
+          <a:xfrm>
+            <a:off x="4054956" y="2432067"/>
+            <a:ext cx="914400" cy="773093"/>
+          </a:xfrm>
+          <a:prstGeom prst="can">
+            <a:avLst/>
+          </a:prstGeom>
+        </p:spPr>
+        <p:style>
+          <a:lnRef idx="2">
+            <a:schemeClr val="accent1">
+              <a:shade val="50000"/>
+            </a:schemeClr>
+          </a:lnRef>
+          <a:fillRef idx="1">
+            <a:schemeClr val="accent1"/>
+          </a:fillRef>
+          <a:effectRef idx="0">
+            <a:schemeClr val="accent1"/>
+          </a:effectRef>
+          <a:fontRef idx="minor">
+            <a:schemeClr val="lt1"/>
+          </a:fontRef>
+        </p:style>
+        <p:txBody>
+          <a:bodyPr rtlCol="0" anchor="ctr"/>
+          <a:lstStyle/>
+          <a:p>
+            <a:pPr algn="ctr"/>
+            <a:r>
+              <a:rPr lang="zh-CN" altLang="en-US" dirty="0"/>
+              <a:t>离线消息库</a:t>
+            </a:r>
+          </a:p>
+        </p:txBody>
+      </p:sp>
+      <p:cxnSp>
+        <p:nvCxnSpPr>
+          <p:cNvPr id="9" name="直接箭头连接符 8">
+            <a:extLst>
+              <a:ext uri="{FF2B5EF4-FFF2-40B4-BE49-F238E27FC236}">
+                <a16:creationId xmlns:a16="http://schemas.microsoft.com/office/drawing/2014/main" id="{C4D07FAB-E425-4BF7-9A2D-6310FE63F50F}"/>
+              </a:ext>
+            </a:extLst>
+          </p:cNvPr>
+          <p:cNvCxnSpPr>
+            <a:stCxn id="4" idx="3"/>
+            <a:endCxn id="5" idx="2"/>
+          </p:cNvCxnSpPr>
+          <p:nvPr/>
+        </p:nvCxnSpPr>
+        <p:spPr>
+          <a:xfrm flipV="1">
+            <a:off x="3384223" y="2818614"/>
+            <a:ext cx="670733" cy="1"/>
+          </a:xfrm>
+          <a:prstGeom prst="straightConnector1">
+            <a:avLst/>
+          </a:prstGeom>
+          <a:ln>
+            <a:tailEnd type="triangle"/>
+          </a:ln>
+        </p:spPr>
+        <p:style>
+          <a:lnRef idx="1">
+            <a:schemeClr val="accent1"/>
+          </a:lnRef>
+          <a:fillRef idx="0">
+            <a:schemeClr val="accent1"/>
+          </a:fillRef>
+          <a:effectRef idx="0">
+            <a:schemeClr val="accent1"/>
+          </a:effectRef>
+          <a:fontRef idx="minor">
+            <a:schemeClr val="tx1"/>
+          </a:fontRef>
+        </p:style>
+      </p:cxnSp>
+      <p:sp>
+        <p:nvSpPr>
+          <p:cNvPr id="10" name="矩形 9">
+            <a:extLst>
+              <a:ext uri="{FF2B5EF4-FFF2-40B4-BE49-F238E27FC236}">
+                <a16:creationId xmlns:a16="http://schemas.microsoft.com/office/drawing/2014/main" id="{F2436A66-3939-4B89-8A4E-50B5240D3067}"/>
+              </a:ext>
+            </a:extLst>
+          </p:cNvPr>
+          <p:cNvSpPr/>
+          <p:nvPr/>
+        </p:nvSpPr>
+        <p:spPr>
+          <a:xfrm>
+            <a:off x="3955974" y="3978158"/>
+            <a:ext cx="1112363" cy="735291"/>
+          </a:xfrm>
+          <a:prstGeom prst="rect">
+            <a:avLst/>
+          </a:prstGeom>
+        </p:spPr>
+        <p:style>
+          <a:lnRef idx="2">
+            <a:schemeClr val="accent1">
+              <a:shade val="50000"/>
+            </a:schemeClr>
+          </a:lnRef>
+          <a:fillRef idx="1">
+            <a:schemeClr val="accent1"/>
+          </a:fillRef>
+          <a:effectRef idx="0">
+            <a:schemeClr val="accent1"/>
+          </a:effectRef>
+          <a:fontRef idx="minor">
+            <a:schemeClr val="lt1"/>
+          </a:fontRef>
+        </p:style>
+        <p:txBody>
+          <a:bodyPr rtlCol="0" anchor="ctr"/>
+          <a:lstStyle/>
+          <a:p>
+            <a:pPr algn="ctr"/>
+            <a:r>
+              <a:rPr lang="zh-CN" altLang="en-US" dirty="0"/>
+              <a:t>推送消息线程</a:t>
+            </a:r>
+          </a:p>
+        </p:txBody>
+      </p:sp>
+      <p:cxnSp>
+        <p:nvCxnSpPr>
+          <p:cNvPr id="12" name="直接箭头连接符 11">
+            <a:extLst>
+              <a:ext uri="{FF2B5EF4-FFF2-40B4-BE49-F238E27FC236}">
+                <a16:creationId xmlns:a16="http://schemas.microsoft.com/office/drawing/2014/main" id="{D9C8A210-1B9C-4DE9-A8DE-318677095BB2}"/>
+              </a:ext>
+            </a:extLst>
+          </p:cNvPr>
+          <p:cNvCxnSpPr>
+            <a:cxnSpLocks/>
+            <a:stCxn id="10" idx="0"/>
+            <a:endCxn id="5" idx="3"/>
+          </p:cNvCxnSpPr>
+          <p:nvPr/>
+        </p:nvCxnSpPr>
+        <p:spPr>
+          <a:xfrm flipV="1">
+            <a:off x="4512156" y="3205160"/>
+            <a:ext cx="0" cy="772998"/>
+          </a:xfrm>
+          <a:prstGeom prst="straightConnector1">
+            <a:avLst/>
+          </a:prstGeom>
+          <a:ln>
+            <a:tailEnd type="triangle"/>
+          </a:ln>
+        </p:spPr>
+        <p:style>
+          <a:lnRef idx="1">
+            <a:schemeClr val="accent1"/>
+          </a:lnRef>
+          <a:fillRef idx="0">
+            <a:schemeClr val="accent1"/>
+          </a:fillRef>
+          <a:effectRef idx="0">
+            <a:schemeClr val="accent1"/>
+          </a:effectRef>
+          <a:fontRef idx="minor">
+            <a:schemeClr val="tx1"/>
+          </a:fontRef>
+        </p:style>
+      </p:cxnSp>
+      <p:sp>
+        <p:nvSpPr>
+          <p:cNvPr id="14" name="椭圆 13">
+            <a:extLst>
+              <a:ext uri="{FF2B5EF4-FFF2-40B4-BE49-F238E27FC236}">
+                <a16:creationId xmlns:a16="http://schemas.microsoft.com/office/drawing/2014/main" id="{7D1B2339-D8BE-4642-AC64-B98659797BA1}"/>
+              </a:ext>
+            </a:extLst>
+          </p:cNvPr>
+          <p:cNvSpPr/>
+          <p:nvPr/>
+        </p:nvSpPr>
+        <p:spPr>
+          <a:xfrm>
+            <a:off x="2320424" y="1980747"/>
+            <a:ext cx="308675" cy="323165"/>
+          </a:xfrm>
+          <a:prstGeom prst="ellipse">
+            <a:avLst/>
+          </a:prstGeom>
+        </p:spPr>
+        <p:style>
+          <a:lnRef idx="2">
+            <a:schemeClr val="accent1">
+              <a:shade val="50000"/>
+            </a:schemeClr>
+          </a:lnRef>
+          <a:fillRef idx="1">
+            <a:schemeClr val="accent1"/>
+          </a:fillRef>
+          <a:effectRef idx="0">
+            <a:schemeClr val="accent1"/>
+          </a:effectRef>
+          <a:fontRef idx="minor">
+            <a:schemeClr val="lt1"/>
+          </a:fontRef>
+        </p:style>
+        <p:txBody>
+          <a:bodyPr rtlCol="0" anchor="ctr"/>
+          <a:lstStyle/>
+          <a:p>
+            <a:pPr algn="ctr"/>
+            <a:r>
+              <a:rPr lang="en-US" altLang="zh-CN" dirty="0"/>
+              <a:t>1</a:t>
+            </a:r>
+            <a:endParaRPr lang="zh-CN" altLang="en-US" dirty="0"/>
+          </a:p>
+        </p:txBody>
+      </p:sp>
+      <p:sp>
+        <p:nvSpPr>
+          <p:cNvPr id="15" name="文本框 14">
+            <a:extLst>
+              <a:ext uri="{FF2B5EF4-FFF2-40B4-BE49-F238E27FC236}">
+                <a16:creationId xmlns:a16="http://schemas.microsoft.com/office/drawing/2014/main" id="{9DD73090-C59D-43AF-AE88-BFB96A0E7DDB}"/>
+              </a:ext>
+            </a:extLst>
+          </p:cNvPr>
+          <p:cNvSpPr txBox="1"/>
+          <p:nvPr/>
+        </p:nvSpPr>
+        <p:spPr>
+          <a:xfrm>
+            <a:off x="2629099" y="1957663"/>
+            <a:ext cx="1107996" cy="369332"/>
+          </a:xfrm>
+          <a:prstGeom prst="rect">
+            <a:avLst/>
+          </a:prstGeom>
+          <a:noFill/>
+        </p:spPr>
+        <p:txBody>
+          <a:bodyPr wrap="none" rtlCol="0">
+            <a:spAutoFit/>
+          </a:bodyPr>
+          <a:lstStyle/>
+          <a:p>
+            <a:r>
+              <a:rPr lang="zh-CN" altLang="en-US" dirty="0"/>
+              <a:t>压入日志</a:t>
+            </a:r>
+          </a:p>
+        </p:txBody>
+      </p:sp>
+      <p:sp>
+        <p:nvSpPr>
+          <p:cNvPr id="16" name="笑脸 15">
+            <a:extLst>
+              <a:ext uri="{FF2B5EF4-FFF2-40B4-BE49-F238E27FC236}">
+                <a16:creationId xmlns:a16="http://schemas.microsoft.com/office/drawing/2014/main" id="{3C729061-203D-4C44-9EA2-05E8696DB9AE}"/>
+              </a:ext>
+            </a:extLst>
+          </p:cNvPr>
+          <p:cNvSpPr/>
+          <p:nvPr/>
+        </p:nvSpPr>
+        <p:spPr>
+          <a:xfrm>
+            <a:off x="503869" y="2505172"/>
+            <a:ext cx="707937" cy="626884"/>
+          </a:xfrm>
+          <a:prstGeom prst="smileyFace">
+            <a:avLst/>
+          </a:prstGeom>
+        </p:spPr>
+        <p:style>
+          <a:lnRef idx="2">
+            <a:schemeClr val="accent1">
+              <a:shade val="50000"/>
+            </a:schemeClr>
+          </a:lnRef>
+          <a:fillRef idx="1">
+            <a:schemeClr val="accent1"/>
+          </a:fillRef>
+          <a:effectRef idx="0">
+            <a:schemeClr val="accent1"/>
+          </a:effectRef>
+          <a:fontRef idx="minor">
+            <a:schemeClr val="lt1"/>
+          </a:fontRef>
+        </p:style>
+        <p:txBody>
+          <a:bodyPr rtlCol="0" anchor="ctr"/>
+          <a:lstStyle/>
+          <a:p>
+            <a:pPr algn="ctr"/>
+            <a:endParaRPr lang="zh-CN" altLang="en-US"/>
+          </a:p>
+        </p:txBody>
+      </p:sp>
+      <p:cxnSp>
+        <p:nvCxnSpPr>
+          <p:cNvPr id="18" name="直接箭头连接符 17">
+            <a:extLst>
+              <a:ext uri="{FF2B5EF4-FFF2-40B4-BE49-F238E27FC236}">
+                <a16:creationId xmlns:a16="http://schemas.microsoft.com/office/drawing/2014/main" id="{29431529-609B-41E9-88D0-2E917C159B69}"/>
+              </a:ext>
+            </a:extLst>
+          </p:cNvPr>
+          <p:cNvCxnSpPr>
+            <a:stCxn id="16" idx="6"/>
+            <a:endCxn id="4" idx="1"/>
+          </p:cNvCxnSpPr>
+          <p:nvPr/>
+        </p:nvCxnSpPr>
+        <p:spPr>
+          <a:xfrm>
+            <a:off x="1211806" y="2818614"/>
+            <a:ext cx="1060054" cy="1"/>
+          </a:xfrm>
+          <a:prstGeom prst="straightConnector1">
+            <a:avLst/>
+          </a:prstGeom>
+          <a:ln>
+            <a:tailEnd type="triangle"/>
+          </a:ln>
+        </p:spPr>
+        <p:style>
+          <a:lnRef idx="1">
+            <a:schemeClr val="accent1"/>
+          </a:lnRef>
+          <a:fillRef idx="0">
+            <a:schemeClr val="accent1"/>
+          </a:fillRef>
+          <a:effectRef idx="0">
+            <a:schemeClr val="accent1"/>
+          </a:effectRef>
+          <a:fontRef idx="minor">
+            <a:schemeClr val="tx1"/>
+          </a:fontRef>
+        </p:style>
+      </p:cxnSp>
+      <p:sp>
+        <p:nvSpPr>
+          <p:cNvPr id="20" name="文本框 19">
+            <a:extLst>
+              <a:ext uri="{FF2B5EF4-FFF2-40B4-BE49-F238E27FC236}">
+                <a16:creationId xmlns:a16="http://schemas.microsoft.com/office/drawing/2014/main" id="{B786E7F7-099A-4319-BE25-CD2A6FC3B299}"/>
+              </a:ext>
+            </a:extLst>
+          </p:cNvPr>
+          <p:cNvSpPr txBox="1"/>
+          <p:nvPr/>
+        </p:nvSpPr>
+        <p:spPr>
+          <a:xfrm>
+            <a:off x="2386314" y="4161137"/>
+            <a:ext cx="1569660" cy="369332"/>
+          </a:xfrm>
+          <a:prstGeom prst="rect">
+            <a:avLst/>
+          </a:prstGeom>
+          <a:noFill/>
+        </p:spPr>
+        <p:txBody>
+          <a:bodyPr wrap="none" rtlCol="0">
+            <a:spAutoFit/>
+          </a:bodyPr>
+          <a:lstStyle/>
+          <a:p>
+            <a:r>
+              <a:rPr lang="zh-CN" altLang="en-US" dirty="0">
+                <a:solidFill>
+                  <a:schemeClr val="accent5"/>
+                </a:solidFill>
+              </a:rPr>
+              <a:t>提取消息队列</a:t>
+            </a:r>
+          </a:p>
+        </p:txBody>
+      </p:sp>
+      <p:sp>
+        <p:nvSpPr>
+          <p:cNvPr id="21" name="椭圆 20">
+            <a:extLst>
+              <a:ext uri="{FF2B5EF4-FFF2-40B4-BE49-F238E27FC236}">
+                <a16:creationId xmlns:a16="http://schemas.microsoft.com/office/drawing/2014/main" id="{89CDAEFC-8255-40AE-9236-EBF349A47909}"/>
+              </a:ext>
+            </a:extLst>
+          </p:cNvPr>
+          <p:cNvSpPr/>
+          <p:nvPr/>
+        </p:nvSpPr>
+        <p:spPr>
+          <a:xfrm>
+            <a:off x="2106131" y="4184220"/>
+            <a:ext cx="308675" cy="323165"/>
+          </a:xfrm>
+          <a:prstGeom prst="ellipse">
+            <a:avLst/>
+          </a:prstGeom>
+        </p:spPr>
+        <p:style>
+          <a:lnRef idx="2">
+            <a:schemeClr val="accent5">
+              <a:shade val="50000"/>
+            </a:schemeClr>
+          </a:lnRef>
+          <a:fillRef idx="1">
+            <a:schemeClr val="accent5"/>
+          </a:fillRef>
+          <a:effectRef idx="0">
+            <a:schemeClr val="accent5"/>
+          </a:effectRef>
+          <a:fontRef idx="minor">
+            <a:schemeClr val="lt1"/>
+          </a:fontRef>
+        </p:style>
+        <p:txBody>
+          <a:bodyPr rtlCol="0" anchor="ctr"/>
+          <a:lstStyle/>
+          <a:p>
+            <a:pPr algn="ctr"/>
+            <a:r>
+              <a:rPr lang="en-US" altLang="zh-CN" dirty="0"/>
+              <a:t>2</a:t>
+            </a:r>
+            <a:endParaRPr lang="zh-CN" altLang="en-US" dirty="0"/>
+          </a:p>
+        </p:txBody>
+      </p:sp>
+      <p:sp>
+        <p:nvSpPr>
+          <p:cNvPr id="22" name="矩形 21">
+            <a:extLst>
+              <a:ext uri="{FF2B5EF4-FFF2-40B4-BE49-F238E27FC236}">
+                <a16:creationId xmlns:a16="http://schemas.microsoft.com/office/drawing/2014/main" id="{BFB8A70E-5360-4A75-988A-13226466F677}"/>
+              </a:ext>
+            </a:extLst>
+          </p:cNvPr>
+          <p:cNvSpPr/>
+          <p:nvPr/>
+        </p:nvSpPr>
+        <p:spPr>
+          <a:xfrm>
+            <a:off x="7505721" y="1601386"/>
+            <a:ext cx="3836710" cy="4071427"/>
+          </a:xfrm>
+          <a:prstGeom prst="rect">
+            <a:avLst/>
+          </a:prstGeom>
+          <a:solidFill>
+            <a:schemeClr val="accent1">
+              <a:alpha val="50000"/>
+            </a:schemeClr>
+          </a:solidFill>
+          <a:ln>
+            <a:noFill/>
+          </a:ln>
+        </p:spPr>
+        <p:style>
+          <a:lnRef idx="0">
+            <a:scrgbClr r="0" g="0" b="0"/>
+          </a:lnRef>
+          <a:fillRef idx="0">
+            <a:scrgbClr r="0" g="0" b="0"/>
+          </a:fillRef>
+          <a:effectRef idx="0">
+            <a:scrgbClr r="0" g="0" b="0"/>
+          </a:effectRef>
+          <a:fontRef idx="minor">
+            <a:schemeClr val="lt1"/>
+          </a:fontRef>
+        </p:style>
+        <p:txBody>
+          <a:bodyPr rtlCol="0" anchor="t"/>
+          <a:lstStyle/>
+          <a:p>
+            <a:r>
+              <a:rPr lang="zh-CN" altLang="en-US" dirty="0"/>
+              <a:t>服务端</a:t>
+            </a:r>
+          </a:p>
+        </p:txBody>
+      </p:sp>
+      <p:sp>
+        <p:nvSpPr>
+          <p:cNvPr id="23" name="矩形 22">
+            <a:extLst>
+              <a:ext uri="{FF2B5EF4-FFF2-40B4-BE49-F238E27FC236}">
+                <a16:creationId xmlns:a16="http://schemas.microsoft.com/office/drawing/2014/main" id="{B5B3246E-F779-4432-AED5-E4F784B7FB41}"/>
+              </a:ext>
+            </a:extLst>
+          </p:cNvPr>
+          <p:cNvSpPr/>
+          <p:nvPr/>
+        </p:nvSpPr>
+        <p:spPr>
+          <a:xfrm>
+            <a:off x="8135463" y="3980864"/>
+            <a:ext cx="1112363" cy="735291"/>
+          </a:xfrm>
+          <a:prstGeom prst="rect">
+            <a:avLst/>
+          </a:prstGeom>
+        </p:spPr>
+        <p:style>
+          <a:lnRef idx="2">
+            <a:schemeClr val="accent1">
+              <a:shade val="50000"/>
+            </a:schemeClr>
+          </a:lnRef>
+          <a:fillRef idx="1">
+            <a:schemeClr val="accent1"/>
+          </a:fillRef>
+          <a:effectRef idx="0">
+            <a:schemeClr val="accent1"/>
+          </a:effectRef>
+          <a:fontRef idx="minor">
+            <a:schemeClr val="lt1"/>
+          </a:fontRef>
+        </p:style>
+        <p:txBody>
+          <a:bodyPr rtlCol="0" anchor="ctr"/>
+          <a:lstStyle/>
+          <a:p>
+            <a:pPr algn="ctr"/>
+            <a:r>
+              <a:rPr lang="zh-CN" altLang="en-US" dirty="0"/>
+              <a:t>消息收发服务</a:t>
+            </a:r>
+          </a:p>
+        </p:txBody>
+      </p:sp>
+      <p:sp>
+        <p:nvSpPr>
+          <p:cNvPr id="24" name="矩形 23">
+            <a:extLst>
+              <a:ext uri="{FF2B5EF4-FFF2-40B4-BE49-F238E27FC236}">
+                <a16:creationId xmlns:a16="http://schemas.microsoft.com/office/drawing/2014/main" id="{ADF0724F-112C-4907-BDF5-25AC1C6AA49D}"/>
+              </a:ext>
+            </a:extLst>
+          </p:cNvPr>
+          <p:cNvSpPr/>
+          <p:nvPr/>
+        </p:nvSpPr>
+        <p:spPr>
+          <a:xfrm>
+            <a:off x="5718363" y="3978158"/>
+            <a:ext cx="1112363" cy="735291"/>
+          </a:xfrm>
+          <a:prstGeom prst="rect">
+            <a:avLst/>
+          </a:prstGeom>
+        </p:spPr>
+        <p:style>
+          <a:lnRef idx="2">
+            <a:schemeClr val="accent1">
+              <a:shade val="50000"/>
+            </a:schemeClr>
+          </a:lnRef>
+          <a:fillRef idx="1">
+            <a:schemeClr val="accent1"/>
+          </a:fillRef>
+          <a:effectRef idx="0">
+            <a:schemeClr val="accent1"/>
+          </a:effectRef>
+          <a:fontRef idx="minor">
+            <a:schemeClr val="lt1"/>
+          </a:fontRef>
+        </p:style>
+        <p:txBody>
+          <a:bodyPr rtlCol="0" anchor="ctr"/>
+          <a:lstStyle/>
+          <a:p>
+            <a:pPr algn="ctr"/>
+            <a:r>
+              <a:rPr lang="zh-CN" altLang="en-US" dirty="0"/>
+              <a:t>消息收发客户端</a:t>
+            </a:r>
+          </a:p>
+        </p:txBody>
+      </p:sp>
+      <p:cxnSp>
+        <p:nvCxnSpPr>
+          <p:cNvPr id="26" name="直接箭头连接符 25">
+            <a:extLst>
+              <a:ext uri="{FF2B5EF4-FFF2-40B4-BE49-F238E27FC236}">
+                <a16:creationId xmlns:a16="http://schemas.microsoft.com/office/drawing/2014/main" id="{AFAE0C5E-1662-48F2-8358-1BC240BD505D}"/>
+              </a:ext>
+            </a:extLst>
+          </p:cNvPr>
+          <p:cNvCxnSpPr>
+            <a:stCxn id="10" idx="3"/>
+            <a:endCxn id="24" idx="1"/>
+          </p:cNvCxnSpPr>
+          <p:nvPr/>
+        </p:nvCxnSpPr>
+        <p:spPr>
+          <a:xfrm>
+            <a:off x="5068337" y="4345804"/>
+            <a:ext cx="650026" cy="0"/>
+          </a:xfrm>
+          <a:prstGeom prst="straightConnector1">
+            <a:avLst/>
+          </a:prstGeom>
+          <a:ln>
+            <a:tailEnd type="triangle"/>
+          </a:ln>
+        </p:spPr>
+        <p:style>
+          <a:lnRef idx="1">
+            <a:schemeClr val="accent1"/>
+          </a:lnRef>
+          <a:fillRef idx="0">
+            <a:schemeClr val="accent1"/>
+          </a:fillRef>
+          <a:effectRef idx="0">
+            <a:schemeClr val="accent1"/>
+          </a:effectRef>
+          <a:fontRef idx="minor">
+            <a:schemeClr val="tx1"/>
+          </a:fontRef>
+        </p:style>
+      </p:cxnSp>
+      <p:sp>
+        <p:nvSpPr>
+          <p:cNvPr id="27" name="矩形 26">
+            <a:extLst>
+              <a:ext uri="{FF2B5EF4-FFF2-40B4-BE49-F238E27FC236}">
+                <a16:creationId xmlns:a16="http://schemas.microsoft.com/office/drawing/2014/main" id="{5B1937BA-85AE-491B-805E-BAA172DA4F7F}"/>
+              </a:ext>
+            </a:extLst>
+          </p:cNvPr>
+          <p:cNvSpPr/>
+          <p:nvPr/>
+        </p:nvSpPr>
+        <p:spPr>
+          <a:xfrm>
+            <a:off x="8135463" y="2509490"/>
+            <a:ext cx="1112363" cy="735291"/>
+          </a:xfrm>
+          <a:prstGeom prst="rect">
+            <a:avLst/>
+          </a:prstGeom>
+        </p:spPr>
+        <p:style>
+          <a:lnRef idx="2">
+            <a:schemeClr val="accent1">
+              <a:shade val="50000"/>
+            </a:schemeClr>
+          </a:lnRef>
+          <a:fillRef idx="1">
+            <a:schemeClr val="accent1"/>
+          </a:fillRef>
+          <a:effectRef idx="0">
+            <a:schemeClr val="accent1"/>
+          </a:effectRef>
+          <a:fontRef idx="minor">
+            <a:schemeClr val="lt1"/>
+          </a:fontRef>
+        </p:style>
+        <p:txBody>
+          <a:bodyPr rtlCol="0" anchor="ctr"/>
+          <a:lstStyle/>
+          <a:p>
+            <a:pPr algn="ctr"/>
+            <a:r>
+              <a:rPr lang="zh-CN" altLang="en-US" dirty="0"/>
+              <a:t>日志提交入口</a:t>
+            </a:r>
+          </a:p>
+        </p:txBody>
+      </p:sp>
+      <p:sp>
+        <p:nvSpPr>
+          <p:cNvPr id="28" name="圆柱体 27">
+            <a:extLst>
+              <a:ext uri="{FF2B5EF4-FFF2-40B4-BE49-F238E27FC236}">
+                <a16:creationId xmlns:a16="http://schemas.microsoft.com/office/drawing/2014/main" id="{DF01D416-0997-494B-9E11-834B606A29E1}"/>
+              </a:ext>
+            </a:extLst>
+          </p:cNvPr>
+          <p:cNvSpPr/>
+          <p:nvPr/>
+        </p:nvSpPr>
+        <p:spPr>
+          <a:xfrm>
+            <a:off x="9750317" y="2490588"/>
+            <a:ext cx="914400" cy="773093"/>
+          </a:xfrm>
+          <a:prstGeom prst="can">
+            <a:avLst/>
+          </a:prstGeom>
+        </p:spPr>
+        <p:style>
+          <a:lnRef idx="2">
+            <a:schemeClr val="accent1">
+              <a:shade val="50000"/>
+            </a:schemeClr>
+          </a:lnRef>
+          <a:fillRef idx="1">
+            <a:schemeClr val="accent1"/>
+          </a:fillRef>
+          <a:effectRef idx="0">
+            <a:schemeClr val="accent1"/>
+          </a:effectRef>
+          <a:fontRef idx="minor">
+            <a:schemeClr val="lt1"/>
+          </a:fontRef>
+        </p:style>
+        <p:txBody>
+          <a:bodyPr rtlCol="0" anchor="ctr"/>
+          <a:lstStyle/>
+          <a:p>
+            <a:pPr algn="ctr"/>
+            <a:r>
+              <a:rPr lang="zh-CN" altLang="en-US" dirty="0"/>
+              <a:t>日志数据库</a:t>
+            </a:r>
+          </a:p>
+        </p:txBody>
+      </p:sp>
+      <p:cxnSp>
+        <p:nvCxnSpPr>
+          <p:cNvPr id="30" name="直接箭头连接符 29">
+            <a:extLst>
+              <a:ext uri="{FF2B5EF4-FFF2-40B4-BE49-F238E27FC236}">
+                <a16:creationId xmlns:a16="http://schemas.microsoft.com/office/drawing/2014/main" id="{B8C6D1DD-778A-4C4A-BDAC-0E052CCE7AFD}"/>
+              </a:ext>
+            </a:extLst>
+          </p:cNvPr>
+          <p:cNvCxnSpPr>
+            <a:stCxn id="27" idx="3"/>
+            <a:endCxn id="28" idx="2"/>
+          </p:cNvCxnSpPr>
+          <p:nvPr/>
+        </p:nvCxnSpPr>
+        <p:spPr>
+          <a:xfrm flipV="1">
+            <a:off x="9247826" y="2877135"/>
+            <a:ext cx="502491" cy="1"/>
+          </a:xfrm>
+          <a:prstGeom prst="straightConnector1">
+            <a:avLst/>
+          </a:prstGeom>
+          <a:ln>
+            <a:tailEnd type="triangle"/>
+          </a:ln>
+        </p:spPr>
+        <p:style>
+          <a:lnRef idx="1">
+            <a:schemeClr val="accent1"/>
+          </a:lnRef>
+          <a:fillRef idx="0">
+            <a:schemeClr val="accent1"/>
+          </a:fillRef>
+          <a:effectRef idx="0">
+            <a:schemeClr val="accent1"/>
+          </a:effectRef>
+          <a:fontRef idx="minor">
+            <a:schemeClr val="tx1"/>
+          </a:fontRef>
+        </p:style>
+      </p:cxnSp>
+      <p:cxnSp>
+        <p:nvCxnSpPr>
+          <p:cNvPr id="32" name="直接箭头连接符 31">
+            <a:extLst>
+              <a:ext uri="{FF2B5EF4-FFF2-40B4-BE49-F238E27FC236}">
+                <a16:creationId xmlns:a16="http://schemas.microsoft.com/office/drawing/2014/main" id="{E1545D37-E2F1-4470-8C25-10DD886B557D}"/>
+              </a:ext>
+            </a:extLst>
+          </p:cNvPr>
+          <p:cNvCxnSpPr>
+            <a:stCxn id="23" idx="0"/>
+            <a:endCxn id="27" idx="2"/>
+          </p:cNvCxnSpPr>
+          <p:nvPr/>
+        </p:nvCxnSpPr>
+        <p:spPr>
+          <a:xfrm flipV="1">
+            <a:off x="8691645" y="3244781"/>
+            <a:ext cx="0" cy="736083"/>
+          </a:xfrm>
+          <a:prstGeom prst="straightConnector1">
+            <a:avLst/>
+          </a:prstGeom>
+          <a:ln>
+            <a:tailEnd type="triangle"/>
+          </a:ln>
+        </p:spPr>
+        <p:style>
+          <a:lnRef idx="1">
+            <a:schemeClr val="accent1"/>
+          </a:lnRef>
+          <a:fillRef idx="0">
+            <a:schemeClr val="accent1"/>
+          </a:fillRef>
+          <a:effectRef idx="0">
+            <a:schemeClr val="accent1"/>
+          </a:effectRef>
+          <a:fontRef idx="minor">
+            <a:schemeClr val="tx1"/>
+          </a:fontRef>
+        </p:style>
+      </p:cxnSp>
+      <p:cxnSp>
+        <p:nvCxnSpPr>
+          <p:cNvPr id="34" name="直接箭头连接符 33">
+            <a:extLst>
+              <a:ext uri="{FF2B5EF4-FFF2-40B4-BE49-F238E27FC236}">
+                <a16:creationId xmlns:a16="http://schemas.microsoft.com/office/drawing/2014/main" id="{A4A1D08A-2D04-43FC-991F-140E1FDC7C39}"/>
+              </a:ext>
+            </a:extLst>
+          </p:cNvPr>
+          <p:cNvCxnSpPr>
+            <a:stCxn id="24" idx="3"/>
+            <a:endCxn id="23" idx="1"/>
+          </p:cNvCxnSpPr>
+          <p:nvPr/>
+        </p:nvCxnSpPr>
+        <p:spPr>
+          <a:xfrm>
+            <a:off x="6830726" y="4345804"/>
+            <a:ext cx="1304737" cy="2706"/>
+          </a:xfrm>
+          <a:prstGeom prst="straightConnector1">
+            <a:avLst/>
+          </a:prstGeom>
+          <a:ln>
+            <a:tailEnd type="triangle"/>
+          </a:ln>
+        </p:spPr>
+        <p:style>
+          <a:lnRef idx="1">
+            <a:schemeClr val="accent1"/>
+          </a:lnRef>
+          <a:fillRef idx="0">
+            <a:schemeClr val="accent1"/>
+          </a:fillRef>
+          <a:effectRef idx="0">
+            <a:schemeClr val="accent1"/>
+          </a:effectRef>
+          <a:fontRef idx="minor">
+            <a:schemeClr val="tx1"/>
+          </a:fontRef>
+        </p:style>
+      </p:cxnSp>
+      <p:sp>
+        <p:nvSpPr>
+          <p:cNvPr id="35" name="椭圆 34">
+            <a:extLst>
+              <a:ext uri="{FF2B5EF4-FFF2-40B4-BE49-F238E27FC236}">
+                <a16:creationId xmlns:a16="http://schemas.microsoft.com/office/drawing/2014/main" id="{B40AD403-163F-4766-BEFB-F46CCE031F85}"/>
+              </a:ext>
+            </a:extLst>
+          </p:cNvPr>
+          <p:cNvSpPr/>
+          <p:nvPr/>
+        </p:nvSpPr>
+        <p:spPr>
+          <a:xfrm>
+            <a:off x="3955974" y="4900876"/>
+            <a:ext cx="308675" cy="323165"/>
+          </a:xfrm>
+          <a:prstGeom prst="ellipse">
+            <a:avLst/>
+          </a:prstGeom>
+        </p:spPr>
+        <p:style>
+          <a:lnRef idx="2">
+            <a:schemeClr val="accent5">
+              <a:shade val="50000"/>
+            </a:schemeClr>
+          </a:lnRef>
+          <a:fillRef idx="1">
+            <a:schemeClr val="accent5"/>
+          </a:fillRef>
+          <a:effectRef idx="0">
+            <a:schemeClr val="accent5"/>
+          </a:effectRef>
+          <a:fontRef idx="minor">
+            <a:schemeClr val="lt1"/>
+          </a:fontRef>
+        </p:style>
+        <p:txBody>
+          <a:bodyPr rtlCol="0" anchor="ctr"/>
+          <a:lstStyle/>
+          <a:p>
+            <a:pPr algn="ctr"/>
+            <a:r>
+              <a:rPr lang="en-US" altLang="zh-CN" dirty="0"/>
+              <a:t>3</a:t>
+            </a:r>
+            <a:endParaRPr lang="zh-CN" altLang="en-US" dirty="0"/>
+          </a:p>
+        </p:txBody>
+      </p:sp>
+      <p:sp>
+        <p:nvSpPr>
+          <p:cNvPr id="36" name="文本框 35">
+            <a:extLst>
+              <a:ext uri="{FF2B5EF4-FFF2-40B4-BE49-F238E27FC236}">
+                <a16:creationId xmlns:a16="http://schemas.microsoft.com/office/drawing/2014/main" id="{6AC2386C-2ACF-401E-ABE8-CDAEDC62BDF7}"/>
+              </a:ext>
+            </a:extLst>
+          </p:cNvPr>
+          <p:cNvSpPr txBox="1"/>
+          <p:nvPr/>
+        </p:nvSpPr>
+        <p:spPr>
+          <a:xfrm>
+            <a:off x="4325690" y="4877793"/>
+            <a:ext cx="2723823" cy="369332"/>
+          </a:xfrm>
+          <a:prstGeom prst="rect">
+            <a:avLst/>
+          </a:prstGeom>
+          <a:noFill/>
+        </p:spPr>
+        <p:txBody>
+          <a:bodyPr wrap="none" rtlCol="0">
+            <a:spAutoFit/>
+          </a:bodyPr>
+          <a:lstStyle/>
+          <a:p>
+            <a:r>
+              <a:rPr lang="zh-CN" altLang="en-US" dirty="0">
+                <a:solidFill>
+                  <a:schemeClr val="accent5"/>
+                </a:solidFill>
+              </a:rPr>
+              <a:t>推送消息（失败将重发）</a:t>
+            </a:r>
+          </a:p>
+        </p:txBody>
+      </p:sp>
+      <p:sp>
+        <p:nvSpPr>
+          <p:cNvPr id="37" name="椭圆 36">
+            <a:extLst>
+              <a:ext uri="{FF2B5EF4-FFF2-40B4-BE49-F238E27FC236}">
+                <a16:creationId xmlns:a16="http://schemas.microsoft.com/office/drawing/2014/main" id="{CC81BFE6-9689-4119-B345-02AFC4B47F15}"/>
+              </a:ext>
+            </a:extLst>
+          </p:cNvPr>
+          <p:cNvSpPr/>
+          <p:nvPr/>
+        </p:nvSpPr>
+        <p:spPr>
+          <a:xfrm>
+            <a:off x="4958400" y="3532609"/>
+            <a:ext cx="308675" cy="323165"/>
+          </a:xfrm>
+          <a:prstGeom prst="ellipse">
+            <a:avLst/>
+          </a:prstGeom>
+        </p:spPr>
+        <p:style>
+          <a:lnRef idx="2">
+            <a:schemeClr val="accent5">
+              <a:shade val="50000"/>
+            </a:schemeClr>
+          </a:lnRef>
+          <a:fillRef idx="1">
+            <a:schemeClr val="accent5"/>
+          </a:fillRef>
+          <a:effectRef idx="0">
+            <a:schemeClr val="accent5"/>
+          </a:effectRef>
+          <a:fontRef idx="minor">
+            <a:schemeClr val="lt1"/>
+          </a:fontRef>
+        </p:style>
+        <p:txBody>
+          <a:bodyPr rtlCol="0" anchor="ctr"/>
+          <a:lstStyle/>
+          <a:p>
+            <a:pPr algn="ctr"/>
+            <a:r>
+              <a:rPr lang="en-US" altLang="zh-CN" dirty="0"/>
+              <a:t>5</a:t>
+            </a:r>
+            <a:endParaRPr lang="zh-CN" altLang="en-US" dirty="0"/>
+          </a:p>
+        </p:txBody>
+      </p:sp>
+      <p:sp>
+        <p:nvSpPr>
+          <p:cNvPr id="38" name="文本框 37">
+            <a:extLst>
+              <a:ext uri="{FF2B5EF4-FFF2-40B4-BE49-F238E27FC236}">
+                <a16:creationId xmlns:a16="http://schemas.microsoft.com/office/drawing/2014/main" id="{B447BF28-5E05-4B57-92A1-EB56641CD4BF}"/>
+              </a:ext>
+            </a:extLst>
+          </p:cNvPr>
+          <p:cNvSpPr txBox="1"/>
+          <p:nvPr/>
+        </p:nvSpPr>
+        <p:spPr>
+          <a:xfrm>
+            <a:off x="5328116" y="3509526"/>
+            <a:ext cx="1569660" cy="369332"/>
+          </a:xfrm>
+          <a:prstGeom prst="rect">
+            <a:avLst/>
+          </a:prstGeom>
+          <a:noFill/>
+        </p:spPr>
+        <p:txBody>
+          <a:bodyPr wrap="none" rtlCol="0">
+            <a:spAutoFit/>
+          </a:bodyPr>
+          <a:lstStyle/>
+          <a:p>
+            <a:r>
+              <a:rPr lang="zh-CN" altLang="en-US" dirty="0">
+                <a:solidFill>
+                  <a:schemeClr val="accent5"/>
+                </a:solidFill>
+              </a:rPr>
+              <a:t>删除已发消息</a:t>
+            </a:r>
+          </a:p>
+        </p:txBody>
+      </p:sp>
+      <p:sp>
+        <p:nvSpPr>
+          <p:cNvPr id="39" name="椭圆 38">
+            <a:extLst>
+              <a:ext uri="{FF2B5EF4-FFF2-40B4-BE49-F238E27FC236}">
+                <a16:creationId xmlns:a16="http://schemas.microsoft.com/office/drawing/2014/main" id="{F721633C-902B-44C6-9285-397062E0A2B3}"/>
+              </a:ext>
+            </a:extLst>
+          </p:cNvPr>
+          <p:cNvSpPr/>
+          <p:nvPr/>
+        </p:nvSpPr>
+        <p:spPr>
+          <a:xfrm>
+            <a:off x="8109912" y="2003830"/>
+            <a:ext cx="308675" cy="323165"/>
+          </a:xfrm>
+          <a:prstGeom prst="ellipse">
+            <a:avLst/>
+          </a:prstGeom>
+        </p:spPr>
+        <p:style>
+          <a:lnRef idx="2">
+            <a:schemeClr val="accent1">
+              <a:shade val="50000"/>
+            </a:schemeClr>
+          </a:lnRef>
+          <a:fillRef idx="1">
+            <a:schemeClr val="accent1"/>
+          </a:fillRef>
+          <a:effectRef idx="0">
+            <a:schemeClr val="accent1"/>
+          </a:effectRef>
+          <a:fontRef idx="minor">
+            <a:schemeClr val="lt1"/>
+          </a:fontRef>
+        </p:style>
+        <p:txBody>
+          <a:bodyPr rtlCol="0" anchor="ctr"/>
+          <a:lstStyle/>
+          <a:p>
+            <a:pPr algn="ctr"/>
+            <a:r>
+              <a:rPr lang="en-US" altLang="zh-CN" dirty="0"/>
+              <a:t>4</a:t>
+            </a:r>
+            <a:endParaRPr lang="zh-CN" altLang="en-US" dirty="0"/>
+          </a:p>
+        </p:txBody>
+      </p:sp>
+      <p:sp>
+        <p:nvSpPr>
+          <p:cNvPr id="40" name="文本框 39">
+            <a:extLst>
+              <a:ext uri="{FF2B5EF4-FFF2-40B4-BE49-F238E27FC236}">
+                <a16:creationId xmlns:a16="http://schemas.microsoft.com/office/drawing/2014/main" id="{3D62A8A5-2BB2-4F23-8AAE-803E8BB31833}"/>
+              </a:ext>
+            </a:extLst>
+          </p:cNvPr>
+          <p:cNvSpPr txBox="1"/>
+          <p:nvPr/>
+        </p:nvSpPr>
+        <p:spPr>
+          <a:xfrm>
+            <a:off x="8479628" y="1980747"/>
+            <a:ext cx="2031325" cy="369332"/>
+          </a:xfrm>
+          <a:prstGeom prst="rect">
+            <a:avLst/>
+          </a:prstGeom>
+          <a:noFill/>
+        </p:spPr>
+        <p:txBody>
+          <a:bodyPr wrap="none" rtlCol="0">
+            <a:spAutoFit/>
+          </a:bodyPr>
+          <a:lstStyle/>
+          <a:p>
+            <a:r>
+              <a:rPr lang="zh-CN" altLang="en-US" dirty="0"/>
+              <a:t>保存日志（幂等）</a:t>
             </a:r>
           </a:p>
         </p:txBody>
@@ -6404,68 +7604,47 @@
           <a:p>
             <a:r>
               <a:rPr lang="zh-CN" altLang="en-US" dirty="0"/>
-              <a:t>日志提交方法</a:t>
-            </a:r>
-          </a:p>
-        </p:txBody>
-      </p:sp>
-      <p:sp>
-        <p:nvSpPr>
-          <p:cNvPr id="3" name="矩形 2">
+              <a:t>日志递送链路</a:t>
+            </a:r>
+          </a:p>
+        </p:txBody>
+      </p:sp>
+      <p:pic>
+        <p:nvPicPr>
+          <p:cNvPr id="7" name="图片 6">
             <a:extLst>
               <a:ext uri="{FF2B5EF4-FFF2-40B4-BE49-F238E27FC236}">
-                <a16:creationId xmlns:a16="http://schemas.microsoft.com/office/drawing/2014/main" id="{946AA7A6-F8A8-41B0-99D4-E55FB27AEFDA}"/>
+                <a16:creationId xmlns:a16="http://schemas.microsoft.com/office/drawing/2014/main" id="{EF80F2FC-A62B-4EA8-9652-4F10C3605502}"/>
               </a:ext>
             </a:extLst>
           </p:cNvPr>
-          <p:cNvSpPr/>
+          <p:cNvPicPr>
+            <a:picLocks noChangeAspect="1"/>
+          </p:cNvPicPr>
           <p:nvPr/>
-        </p:nvSpPr>
-        <p:spPr>
-          <a:xfrm>
-            <a:off x="4676380" y="3244334"/>
-            <a:ext cx="2839239" cy="369332"/>
+        </p:nvPicPr>
+        <p:blipFill>
+          <a:blip r:embed="rId2"/>
+          <a:stretch>
+            <a:fillRect/>
+          </a:stretch>
+        </p:blipFill>
+        <p:spPr>
+          <a:xfrm>
+            <a:off x="419493" y="1334146"/>
+            <a:ext cx="11353014" cy="5051198"/>
           </a:xfrm>
           <a:prstGeom prst="rect">
             <a:avLst/>
           </a:prstGeom>
         </p:spPr>
-        <p:txBody>
-          <a:bodyPr wrap="none">
-            <a:spAutoFit/>
-          </a:bodyPr>
-          <a:lstStyle/>
-          <a:p>
-            <a:r>
-              <a:rPr lang="en-US" altLang="zh-CN" dirty="0" err="1">
-                <a:solidFill>
-                  <a:srgbClr val="000000"/>
-                </a:solidFill>
-                <a:latin typeface="新宋体" panose="02010609030101010101" pitchFamily="49" charset="-122"/>
-                <a:ea typeface="新宋体" panose="02010609030101010101" pitchFamily="49" charset="-122"/>
-              </a:rPr>
-              <a:t>EventLog.Save</a:t>
-            </a:r>
-            <a:r>
-              <a:rPr lang="en-US" altLang="zh-CN" dirty="0">
-                <a:solidFill>
-                  <a:srgbClr val="000000"/>
-                </a:solidFill>
-                <a:latin typeface="新宋体" panose="02010609030101010101" pitchFamily="49" charset="-122"/>
-                <a:ea typeface="新宋体" panose="02010609030101010101" pitchFamily="49" charset="-122"/>
-              </a:rPr>
-              <a:t>(message);</a:t>
-            </a:r>
-            <a:endParaRPr lang="zh-CN" altLang="en-US" dirty="0"/>
-          </a:p>
-        </p:txBody>
-      </p:sp>
-      <p:sp>
-        <p:nvSpPr>
-          <p:cNvPr id="4" name="文本框 3">
+      </p:pic>
+      <p:sp>
+        <p:nvSpPr>
+          <p:cNvPr id="8" name="文本框 7">
             <a:extLst>
               <a:ext uri="{FF2B5EF4-FFF2-40B4-BE49-F238E27FC236}">
-                <a16:creationId xmlns:a16="http://schemas.microsoft.com/office/drawing/2014/main" id="{ED41FE3A-C198-479F-91F2-C9137F5B4382}"/>
+                <a16:creationId xmlns:a16="http://schemas.microsoft.com/office/drawing/2014/main" id="{4BB6CDD5-64B5-4162-A1D2-63D5CF1A6096}"/>
               </a:ext>
             </a:extLst>
           </p:cNvPr>
@@ -6475,7 +7654,7 @@
         <p:spPr>
           <a:xfrm>
             <a:off x="0" y="6550568"/>
-            <a:ext cx="4185761" cy="276999"/>
+            <a:ext cx="8109912" cy="276999"/>
           </a:xfrm>
           <a:prstGeom prst="rect">
             <a:avLst/>
@@ -6493,26 +7672,29 @@
                 <a:latin typeface="宋体" panose="02010600030101010101" pitchFamily="2" charset="-122"/>
                 <a:ea typeface="宋体" panose="02010600030101010101" pitchFamily="2" charset="-122"/>
               </a:rPr>
-              <a:t>注：示例代码见</a:t>
-            </a:r>
-            <a:r>
-              <a:rPr lang="en-US" altLang="zh-CN" sz="1200" dirty="0" err="1">
+              <a:t>注：在整条日志递送链路上，可嵌入</a:t>
+            </a:r>
+            <a:r>
+              <a:rPr lang="en-US" altLang="zh-CN" sz="1200" dirty="0">
                 <a:latin typeface="宋体" panose="02010600030101010101" pitchFamily="2" charset="-122"/>
                 <a:ea typeface="宋体" panose="02010600030101010101" pitchFamily="2" charset="-122"/>
               </a:rPr>
-              <a:t>Demo.Phenix.Core.Net.Http.OfflineCache</a:t>
-            </a:r>
-            <a:endParaRPr lang="zh-CN" altLang="en-US" sz="1200" dirty="0">
-              <a:latin typeface="宋体" panose="02010600030101010101" pitchFamily="2" charset="-122"/>
-              <a:ea typeface="宋体" panose="02010600030101010101" pitchFamily="2" charset="-122"/>
-            </a:endParaRPr>
+              <a:t>N</a:t>
+            </a:r>
+            <a:r>
+              <a:rPr lang="zh-CN" altLang="en-US" sz="1200" dirty="0">
+                <a:latin typeface="宋体" panose="02010600030101010101" pitchFamily="2" charset="-122"/>
+                <a:ea typeface="宋体" panose="02010600030101010101" pitchFamily="2" charset="-122"/>
+              </a:rPr>
+              <a:t>个不连数据库的日志归集服务，层层递送到最后一个直连数据库的日志归集服务</a:t>
+            </a:r>
           </a:p>
         </p:txBody>
       </p:sp>
     </p:spTree>
     <p:extLst>
       <p:ext uri="{BB962C8B-B14F-4D97-AF65-F5344CB8AC3E}">
-        <p14:creationId xmlns:p14="http://schemas.microsoft.com/office/powerpoint/2010/main" val="387824055"/>
+        <p14:creationId xmlns:p14="http://schemas.microsoft.com/office/powerpoint/2010/main" val="2286338336"/>
       </p:ext>
     </p:extLst>
   </p:cSld>
@@ -6562,69 +7744,22 @@
           </a:xfrm>
         </p:spPr>
         <p:txBody>
-          <a:bodyPr>
-            <a:normAutofit fontScale="90000"/>
-          </a:bodyPr>
+          <a:bodyPr/>
           <a:lstStyle/>
           <a:p>
             <a:r>
               <a:rPr lang="zh-CN" altLang="en-US" dirty="0"/>
-              <a:t>日志提交方向的自动判断逻辑</a:t>
-            </a:r>
-            <a:br>
-              <a:rPr lang="en-US" altLang="zh-CN" dirty="0"/>
-            </a:br>
-            <a:r>
-              <a:rPr lang="zh-CN" altLang="en-US" dirty="0"/>
-              <a:t>前置服务</a:t>
-            </a:r>
-            <a:r>
-              <a:rPr lang="en-US" altLang="zh-CN" dirty="0"/>
-              <a:t>/</a:t>
-            </a:r>
-            <a:r>
-              <a:rPr lang="zh-CN" altLang="en-US" dirty="0"/>
-              <a:t>客户端程序</a:t>
-            </a:r>
-          </a:p>
-        </p:txBody>
-      </p:sp>
-      <p:pic>
-        <p:nvPicPr>
-          <p:cNvPr id="5" name="图片 4">
+              <a:t>日志提交方法</a:t>
+            </a:r>
+          </a:p>
+        </p:txBody>
+      </p:sp>
+      <p:sp>
+        <p:nvSpPr>
+          <p:cNvPr id="3" name="矩形 2">
             <a:extLst>
               <a:ext uri="{FF2B5EF4-FFF2-40B4-BE49-F238E27FC236}">
-                <a16:creationId xmlns:a16="http://schemas.microsoft.com/office/drawing/2014/main" id="{EEE6EAF9-CCF9-4C43-9792-C1FD7F59058C}"/>
-              </a:ext>
-            </a:extLst>
-          </p:cNvPr>
-          <p:cNvPicPr>
-            <a:picLocks noChangeAspect="1"/>
-          </p:cNvPicPr>
-          <p:nvPr/>
-        </p:nvPicPr>
-        <p:blipFill>
-          <a:blip r:embed="rId2"/>
-          <a:stretch>
-            <a:fillRect/>
-          </a:stretch>
-        </p:blipFill>
-        <p:spPr>
-          <a:xfrm>
-            <a:off x="5051806" y="2655953"/>
-            <a:ext cx="2965712" cy="1795903"/>
-          </a:xfrm>
-          <a:prstGeom prst="rect">
-            <a:avLst/>
-          </a:prstGeom>
-        </p:spPr>
-      </p:pic>
-      <p:sp>
-        <p:nvSpPr>
-          <p:cNvPr id="7" name="矩形 6">
-            <a:extLst>
-              <a:ext uri="{FF2B5EF4-FFF2-40B4-BE49-F238E27FC236}">
-                <a16:creationId xmlns:a16="http://schemas.microsoft.com/office/drawing/2014/main" id="{7D332E81-4573-4EDC-B2FF-1FC462D8CBB6}"/>
+                <a16:creationId xmlns:a16="http://schemas.microsoft.com/office/drawing/2014/main" id="{946AA7A6-F8A8-41B0-99D4-E55FB27AEFDA}"/>
               </a:ext>
             </a:extLst>
           </p:cNvPr>
@@ -6633,289 +7768,49 @@
         </p:nvSpPr>
         <p:spPr>
           <a:xfrm>
-            <a:off x="7169106" y="2475953"/>
-            <a:ext cx="2520000" cy="360000"/>
+            <a:off x="4676380" y="3244334"/>
+            <a:ext cx="2839239" cy="369332"/>
           </a:xfrm>
           <a:prstGeom prst="rect">
             <a:avLst/>
           </a:prstGeom>
-          <a:noFill/>
-          <a:ln w="9525" cap="flat" cmpd="sng" algn="ctr">
-            <a:solidFill>
-              <a:schemeClr val="accent3"/>
-            </a:solidFill>
-            <a:prstDash val="solid"/>
-            <a:round/>
-            <a:headEnd type="none" w="med" len="med"/>
-            <a:tailEnd type="none" w="med" len="med"/>
-          </a:ln>
-        </p:spPr>
-        <p:style>
-          <a:lnRef idx="0">
-            <a:scrgbClr r="0" g="0" b="0"/>
-          </a:lnRef>
-          <a:fillRef idx="0">
-            <a:scrgbClr r="0" g="0" b="0"/>
-          </a:fillRef>
-          <a:effectRef idx="0">
-            <a:scrgbClr r="0" g="0" b="0"/>
-          </a:effectRef>
-          <a:fontRef idx="minor">
-            <a:schemeClr val="accent3"/>
-          </a:fontRef>
-        </p:style>
-        <p:txBody>
-          <a:bodyPr rtlCol="0" anchor="ctr"/>
-          <a:lstStyle/>
-          <a:p>
-            <a:r>
-              <a:rPr lang="en-US" altLang="zh-CN" sz="1400" dirty="0"/>
-              <a:t>Database</a:t>
-            </a:r>
-            <a:endParaRPr lang="zh-CN" altLang="en-US" sz="1400" dirty="0"/>
-          </a:p>
-        </p:txBody>
-      </p:sp>
-      <p:sp>
-        <p:nvSpPr>
-          <p:cNvPr id="8" name="矩形 7">
+        </p:spPr>
+        <p:txBody>
+          <a:bodyPr wrap="none">
+            <a:spAutoFit/>
+          </a:bodyPr>
+          <a:lstStyle/>
+          <a:p>
+            <a:r>
+              <a:rPr lang="en-US" altLang="zh-CN" dirty="0" err="1">
+                <a:solidFill>
+                  <a:srgbClr val="000000"/>
+                </a:solidFill>
+                <a:latin typeface="新宋体" panose="02010609030101010101" pitchFamily="49" charset="-122"/>
+                <a:ea typeface="新宋体" panose="02010609030101010101" pitchFamily="49" charset="-122"/>
+              </a:rPr>
+              <a:t>EventLog.Save</a:t>
+            </a:r>
+            <a:r>
+              <a:rPr lang="en-US" altLang="zh-CN" dirty="0">
+                <a:solidFill>
+                  <a:srgbClr val="000000"/>
+                </a:solidFill>
+                <a:latin typeface="新宋体" panose="02010609030101010101" pitchFamily="49" charset="-122"/>
+                <a:ea typeface="新宋体" panose="02010609030101010101" pitchFamily="49" charset="-122"/>
+              </a:rPr>
+              <a:t>(message);</a:t>
+            </a:r>
+            <a:endParaRPr lang="zh-CN" altLang="en-US" dirty="0"/>
+          </a:p>
+        </p:txBody>
+      </p:sp>
+      <p:sp>
+        <p:nvSpPr>
+          <p:cNvPr id="4" name="文本框 3">
             <a:extLst>
               <a:ext uri="{FF2B5EF4-FFF2-40B4-BE49-F238E27FC236}">
-                <a16:creationId xmlns:a16="http://schemas.microsoft.com/office/drawing/2014/main" id="{4D028C02-3B25-47CB-9344-72D455DBD172}"/>
-              </a:ext>
-            </a:extLst>
-          </p:cNvPr>
-          <p:cNvSpPr/>
-          <p:nvPr/>
-        </p:nvSpPr>
-        <p:spPr>
-          <a:xfrm>
-            <a:off x="7169106" y="3008987"/>
-            <a:ext cx="2520000" cy="360000"/>
-          </a:xfrm>
-          <a:prstGeom prst="rect">
-            <a:avLst/>
-          </a:prstGeom>
-          <a:noFill/>
-          <a:ln w="9525" cap="flat" cmpd="sng" algn="ctr">
-            <a:solidFill>
-              <a:schemeClr val="accent3"/>
-            </a:solidFill>
-            <a:prstDash val="solid"/>
-            <a:round/>
-            <a:headEnd type="none" w="med" len="med"/>
-            <a:tailEnd type="none" w="med" len="med"/>
-          </a:ln>
-        </p:spPr>
-        <p:style>
-          <a:lnRef idx="0">
-            <a:scrgbClr r="0" g="0" b="0"/>
-          </a:lnRef>
-          <a:fillRef idx="0">
-            <a:scrgbClr r="0" g="0" b="0"/>
-          </a:fillRef>
-          <a:effectRef idx="0">
-            <a:scrgbClr r="0" g="0" b="0"/>
-          </a:effectRef>
-          <a:fontRef idx="minor">
-            <a:schemeClr val="accent3"/>
-          </a:fontRef>
-        </p:style>
-        <p:txBody>
-          <a:bodyPr rtlCol="0" anchor="ctr"/>
-          <a:lstStyle/>
-          <a:p>
-            <a:r>
-              <a:rPr lang="en-US" altLang="zh-CN" sz="1400" dirty="0" err="1"/>
-              <a:t>UploadBaseAddress</a:t>
-            </a:r>
-            <a:endParaRPr lang="zh-CN" altLang="en-US" sz="1200" dirty="0"/>
-          </a:p>
-        </p:txBody>
-      </p:sp>
-      <p:sp>
-        <p:nvSpPr>
-          <p:cNvPr id="9" name="矩形 8">
-            <a:extLst>
-              <a:ext uri="{FF2B5EF4-FFF2-40B4-BE49-F238E27FC236}">
-                <a16:creationId xmlns:a16="http://schemas.microsoft.com/office/drawing/2014/main" id="{0E1F16FC-3417-4404-840B-548674004453}"/>
-              </a:ext>
-            </a:extLst>
-          </p:cNvPr>
-          <p:cNvSpPr/>
-          <p:nvPr/>
-        </p:nvSpPr>
-        <p:spPr>
-          <a:xfrm>
-            <a:off x="7169106" y="3542021"/>
-            <a:ext cx="2520000" cy="360000"/>
-          </a:xfrm>
-          <a:prstGeom prst="rect">
-            <a:avLst/>
-          </a:prstGeom>
-          <a:noFill/>
-          <a:ln w="9525" cap="flat" cmpd="sng" algn="ctr">
-            <a:solidFill>
-              <a:schemeClr val="accent3"/>
-            </a:solidFill>
-            <a:prstDash val="solid"/>
-            <a:round/>
-            <a:headEnd type="none" w="med" len="med"/>
-            <a:tailEnd type="none" w="med" len="med"/>
-          </a:ln>
-        </p:spPr>
-        <p:style>
-          <a:lnRef idx="0">
-            <a:scrgbClr r="0" g="0" b="0"/>
-          </a:lnRef>
-          <a:fillRef idx="0">
-            <a:scrgbClr r="0" g="0" b="0"/>
-          </a:fillRef>
-          <a:effectRef idx="0">
-            <a:scrgbClr r="0" g="0" b="0"/>
-          </a:effectRef>
-          <a:fontRef idx="minor">
-            <a:schemeClr val="accent3"/>
-          </a:fontRef>
-        </p:style>
-        <p:txBody>
-          <a:bodyPr rtlCol="0" anchor="ctr"/>
-          <a:lstStyle/>
-          <a:p>
-            <a:r>
-              <a:rPr lang="en-US" altLang="zh-CN" sz="1400" dirty="0" err="1"/>
-              <a:t>UploadValidityMinutes</a:t>
-            </a:r>
-            <a:endParaRPr lang="zh-CN" altLang="en-US" sz="1200" dirty="0"/>
-          </a:p>
-        </p:txBody>
-      </p:sp>
-      <p:pic>
-        <p:nvPicPr>
-          <p:cNvPr id="15" name="图片 14">
-            <a:extLst>
-              <a:ext uri="{FF2B5EF4-FFF2-40B4-BE49-F238E27FC236}">
-                <a16:creationId xmlns:a16="http://schemas.microsoft.com/office/drawing/2014/main" id="{C135738B-DB28-4D2B-A291-0AD6C4F3BBB4}"/>
-              </a:ext>
-            </a:extLst>
-          </p:cNvPr>
-          <p:cNvPicPr>
-            <a:picLocks noChangeAspect="1"/>
-          </p:cNvPicPr>
-          <p:nvPr/>
-        </p:nvPicPr>
-        <p:blipFill>
-          <a:blip r:embed="rId3"/>
-          <a:stretch>
-            <a:fillRect/>
-          </a:stretch>
-        </p:blipFill>
-        <p:spPr>
-          <a:xfrm>
-            <a:off x="9830817" y="2452538"/>
-            <a:ext cx="409249" cy="417775"/>
-          </a:xfrm>
-          <a:prstGeom prst="rect">
-            <a:avLst/>
-          </a:prstGeom>
-        </p:spPr>
-      </p:pic>
-      <p:pic>
-        <p:nvPicPr>
-          <p:cNvPr id="16" name="图片 15">
-            <a:extLst>
-              <a:ext uri="{FF2B5EF4-FFF2-40B4-BE49-F238E27FC236}">
-                <a16:creationId xmlns:a16="http://schemas.microsoft.com/office/drawing/2014/main" id="{B1A46EB9-05DA-4014-8D59-3C9D4A778136}"/>
-              </a:ext>
-            </a:extLst>
-          </p:cNvPr>
-          <p:cNvPicPr>
-            <a:picLocks noChangeAspect="1"/>
-          </p:cNvPicPr>
-          <p:nvPr/>
-        </p:nvPicPr>
-        <p:blipFill>
-          <a:blip r:embed="rId4"/>
-          <a:stretch>
-            <a:fillRect/>
-          </a:stretch>
-        </p:blipFill>
-        <p:spPr>
-          <a:xfrm>
-            <a:off x="9830816" y="2974793"/>
-            <a:ext cx="409250" cy="400543"/>
-          </a:xfrm>
-          <a:prstGeom prst="rect">
-            <a:avLst/>
-          </a:prstGeom>
-        </p:spPr>
-      </p:pic>
-      <p:pic>
-        <p:nvPicPr>
-          <p:cNvPr id="17" name="图片 16">
-            <a:extLst>
-              <a:ext uri="{FF2B5EF4-FFF2-40B4-BE49-F238E27FC236}">
-                <a16:creationId xmlns:a16="http://schemas.microsoft.com/office/drawing/2014/main" id="{375C8BF5-D114-4C8F-80B3-0C24866DA912}"/>
-              </a:ext>
-            </a:extLst>
-          </p:cNvPr>
-          <p:cNvPicPr>
-            <a:picLocks noChangeAspect="1"/>
-          </p:cNvPicPr>
-          <p:nvPr/>
-        </p:nvPicPr>
-        <p:blipFill>
-          <a:blip r:embed="rId5"/>
-          <a:stretch>
-            <a:fillRect/>
-          </a:stretch>
-        </p:blipFill>
-        <p:spPr>
-          <a:xfrm>
-            <a:off x="6774401" y="2506693"/>
-            <a:ext cx="323850" cy="323850"/>
-          </a:xfrm>
-          <a:prstGeom prst="rect">
-            <a:avLst/>
-          </a:prstGeom>
-        </p:spPr>
-      </p:pic>
-      <p:pic>
-        <p:nvPicPr>
-          <p:cNvPr id="18" name="图片 17">
-            <a:extLst>
-              <a:ext uri="{FF2B5EF4-FFF2-40B4-BE49-F238E27FC236}">
-                <a16:creationId xmlns:a16="http://schemas.microsoft.com/office/drawing/2014/main" id="{75429B41-6320-47D3-AF92-6B2F97EDF8AC}"/>
-              </a:ext>
-            </a:extLst>
-          </p:cNvPr>
-          <p:cNvPicPr>
-            <a:picLocks noChangeAspect="1"/>
-          </p:cNvPicPr>
-          <p:nvPr/>
-        </p:nvPicPr>
-        <p:blipFill>
-          <a:blip r:embed="rId6"/>
-          <a:stretch>
-            <a:fillRect/>
-          </a:stretch>
-        </p:blipFill>
-        <p:spPr>
-          <a:xfrm>
-            <a:off x="6774401" y="3013064"/>
-            <a:ext cx="319015" cy="324000"/>
-          </a:xfrm>
-          <a:prstGeom prst="rect">
-            <a:avLst/>
-          </a:prstGeom>
-        </p:spPr>
-      </p:pic>
-      <p:sp>
-        <p:nvSpPr>
-          <p:cNvPr id="19" name="文本框 18">
-            <a:extLst>
-              <a:ext uri="{FF2B5EF4-FFF2-40B4-BE49-F238E27FC236}">
-                <a16:creationId xmlns:a16="http://schemas.microsoft.com/office/drawing/2014/main" id="{8DAD81BD-99C1-4BFC-A9F0-1F556CFA1288}"/>
+                <a16:creationId xmlns:a16="http://schemas.microsoft.com/office/drawing/2014/main" id="{ED41FE3A-C198-479F-91F2-C9137F5B4382}"/>
               </a:ext>
             </a:extLst>
           </p:cNvPr>
@@ -6959,131 +7854,10 @@
           </a:p>
         </p:txBody>
       </p:sp>
-      <p:pic>
-        <p:nvPicPr>
-          <p:cNvPr id="20" name="图片 19">
-            <a:extLst>
-              <a:ext uri="{FF2B5EF4-FFF2-40B4-BE49-F238E27FC236}">
-                <a16:creationId xmlns:a16="http://schemas.microsoft.com/office/drawing/2014/main" id="{F0A773A8-F35F-4870-AEEF-D00FF0E7FCC7}"/>
-              </a:ext>
-            </a:extLst>
-          </p:cNvPr>
-          <p:cNvPicPr>
-            <a:picLocks noChangeAspect="1"/>
-          </p:cNvPicPr>
-          <p:nvPr/>
-        </p:nvPicPr>
-        <p:blipFill>
-          <a:blip r:embed="rId7"/>
-          <a:stretch>
-            <a:fillRect/>
-          </a:stretch>
-        </p:blipFill>
-        <p:spPr>
-          <a:xfrm>
-            <a:off x="1859200" y="1890712"/>
-            <a:ext cx="2543175" cy="3076575"/>
-          </a:xfrm>
-          <a:prstGeom prst="rect">
-            <a:avLst/>
-          </a:prstGeom>
-        </p:spPr>
-      </p:pic>
-      <p:sp>
-        <p:nvSpPr>
-          <p:cNvPr id="3" name="矩形 2">
-            <a:extLst>
-              <a:ext uri="{FF2B5EF4-FFF2-40B4-BE49-F238E27FC236}">
-                <a16:creationId xmlns:a16="http://schemas.microsoft.com/office/drawing/2014/main" id="{58DCB7D2-0114-42BA-8C0C-CB33BEF18D0F}"/>
-              </a:ext>
-            </a:extLst>
-          </p:cNvPr>
-          <p:cNvSpPr/>
-          <p:nvPr/>
-        </p:nvSpPr>
-        <p:spPr>
-          <a:xfrm>
-            <a:off x="5051806" y="1604660"/>
-            <a:ext cx="4493538" cy="307777"/>
-          </a:xfrm>
-          <a:prstGeom prst="rect">
-            <a:avLst/>
-          </a:prstGeom>
-        </p:spPr>
-        <p:txBody>
-          <a:bodyPr wrap="none">
-            <a:spAutoFit/>
-          </a:bodyPr>
-          <a:lstStyle/>
-          <a:p>
-            <a:r>
-              <a:rPr lang="en-US" altLang="zh-CN" sz="1400" dirty="0" err="1">
-                <a:solidFill>
-                  <a:srgbClr val="000000"/>
-                </a:solidFill>
-                <a:latin typeface="新宋体" panose="02010609030101010101" pitchFamily="49" charset="-122"/>
-                <a:ea typeface="新宋体" panose="02010609030101010101" pitchFamily="49" charset="-122"/>
-              </a:rPr>
-              <a:t>HttpClient.New</a:t>
-            </a:r>
-            <a:r>
-              <a:rPr lang="en-US" altLang="zh-CN" sz="1400" dirty="0">
-                <a:solidFill>
-                  <a:srgbClr val="000000"/>
-                </a:solidFill>
-                <a:latin typeface="新宋体" panose="02010609030101010101" pitchFamily="49" charset="-122"/>
-                <a:ea typeface="新宋体" panose="02010609030101010101" pitchFamily="49" charset="-122"/>
-              </a:rPr>
-              <a:t>(</a:t>
-            </a:r>
-            <a:r>
-              <a:rPr lang="en-US" altLang="zh-CN" sz="1400" dirty="0">
-                <a:solidFill>
-                  <a:srgbClr val="0000FF"/>
-                </a:solidFill>
-                <a:latin typeface="新宋体" panose="02010609030101010101" pitchFamily="49" charset="-122"/>
-                <a:ea typeface="新宋体" panose="02010609030101010101" pitchFamily="49" charset="-122"/>
-              </a:rPr>
-              <a:t>new</a:t>
-            </a:r>
-            <a:r>
-              <a:rPr lang="en-US" altLang="zh-CN" sz="1400" dirty="0">
-                <a:solidFill>
-                  <a:srgbClr val="000000"/>
-                </a:solidFill>
-                <a:latin typeface="新宋体" panose="02010609030101010101" pitchFamily="49" charset="-122"/>
-                <a:ea typeface="新宋体" panose="02010609030101010101" pitchFamily="49" charset="-122"/>
-              </a:rPr>
-              <a:t> Uri(</a:t>
-            </a:r>
-            <a:r>
-              <a:rPr lang="en-US" altLang="zh-CN" sz="1400" dirty="0">
-                <a:solidFill>
-                  <a:srgbClr val="A31515"/>
-                </a:solidFill>
-                <a:latin typeface="新宋体" panose="02010609030101010101" pitchFamily="49" charset="-122"/>
-                <a:ea typeface="新宋体" panose="02010609030101010101" pitchFamily="49" charset="-122"/>
-              </a:rPr>
-              <a:t>"http://localhost:5000"</a:t>
-            </a:r>
-            <a:r>
-              <a:rPr lang="en-US" altLang="zh-CN" sz="1400" dirty="0">
-                <a:solidFill>
-                  <a:srgbClr val="000000"/>
-                </a:solidFill>
-                <a:latin typeface="新宋体" panose="02010609030101010101" pitchFamily="49" charset="-122"/>
-                <a:ea typeface="新宋体" panose="02010609030101010101" pitchFamily="49" charset="-122"/>
-              </a:rPr>
-              <a:t>))</a:t>
-            </a:r>
-            <a:endParaRPr lang="zh-CN" altLang="en-US" sz="1400" dirty="0"/>
-          </a:p>
-        </p:txBody>
-      </p:sp>
     </p:spTree>
     <p:extLst>
       <p:ext uri="{BB962C8B-B14F-4D97-AF65-F5344CB8AC3E}">
-        <p14:creationId xmlns:p14="http://schemas.microsoft.com/office/powerpoint/2010/main" val="2704218847"/>
+        <p14:creationId xmlns:p14="http://schemas.microsoft.com/office/powerpoint/2010/main" val="387824055"/>
       </p:ext>
     </p:extLst>
   </p:cSld>
@@ -7134,20 +7908,21 @@
         </p:spPr>
         <p:txBody>
           <a:bodyPr>
-            <a:normAutofit fontScale="90000"/>
+            <a:normAutofit/>
           </a:bodyPr>
           <a:lstStyle/>
           <a:p>
             <a:r>
               <a:rPr lang="zh-CN" altLang="en-US" dirty="0"/>
-              <a:t>日志提交方向的自动判断逻辑</a:t>
-            </a:r>
-            <a:br>
+              <a:t>起点：前置服务</a:t>
+            </a:r>
+            <a:r>
               <a:rPr lang="en-US" altLang="zh-CN" dirty="0"/>
-            </a:br>
+              <a:t>/</a:t>
+            </a:r>
             <a:r>
               <a:rPr lang="zh-CN" altLang="en-US" dirty="0"/>
-              <a:t>日志归集服务</a:t>
+              <a:t>客户端程序</a:t>
             </a:r>
           </a:p>
         </p:txBody>
@@ -7174,7 +7949,7 @@
         </p:blipFill>
         <p:spPr>
           <a:xfrm>
-            <a:off x="5038392" y="2655953"/>
+            <a:off x="5051806" y="2655953"/>
             <a:ext cx="2965712" cy="1795903"/>
           </a:xfrm>
           <a:prstGeom prst="rect">
@@ -7196,7 +7971,7 @@
         </p:nvSpPr>
         <p:spPr>
           <a:xfrm>
-            <a:off x="7155692" y="2475953"/>
+            <a:off x="7169106" y="2475953"/>
             <a:ext cx="2520000" cy="360000"/>
           </a:xfrm>
           <a:prstGeom prst="rect">
@@ -7253,7 +8028,7 @@
         </p:nvSpPr>
         <p:spPr>
           <a:xfrm>
-            <a:off x="7155692" y="3008987"/>
+            <a:off x="7169106" y="3008987"/>
             <a:ext cx="2520000" cy="360000"/>
           </a:xfrm>
           <a:prstGeom prst="rect">
@@ -7310,7 +8085,7 @@
         </p:nvSpPr>
         <p:spPr>
           <a:xfrm>
-            <a:off x="7155692" y="3542021"/>
+            <a:off x="7169106" y="3542021"/>
             <a:ext cx="2520000" cy="360000"/>
           </a:xfrm>
           <a:prstGeom prst="rect">
@@ -7353,6 +8128,36 @@
           </a:p>
         </p:txBody>
       </p:sp>
+      <p:pic>
+        <p:nvPicPr>
+          <p:cNvPr id="15" name="图片 14">
+            <a:extLst>
+              <a:ext uri="{FF2B5EF4-FFF2-40B4-BE49-F238E27FC236}">
+                <a16:creationId xmlns:a16="http://schemas.microsoft.com/office/drawing/2014/main" id="{C135738B-DB28-4D2B-A291-0AD6C4F3BBB4}"/>
+              </a:ext>
+            </a:extLst>
+          </p:cNvPr>
+          <p:cNvPicPr>
+            <a:picLocks noChangeAspect="1"/>
+          </p:cNvPicPr>
+          <p:nvPr/>
+        </p:nvPicPr>
+        <p:blipFill>
+          <a:blip r:embed="rId3"/>
+          <a:stretch>
+            <a:fillRect/>
+          </a:stretch>
+        </p:blipFill>
+        <p:spPr>
+          <a:xfrm>
+            <a:off x="9830817" y="2452538"/>
+            <a:ext cx="409249" cy="417775"/>
+          </a:xfrm>
+          <a:prstGeom prst="rect">
+            <a:avLst/>
+          </a:prstGeom>
+        </p:spPr>
+      </p:pic>
       <p:pic>
         <p:nvPicPr>
           <p:cNvPr id="16" name="图片 15">
@@ -7368,14 +8173,14 @@
           <p:nvPr/>
         </p:nvPicPr>
         <p:blipFill>
-          <a:blip r:embed="rId3"/>
+          <a:blip r:embed="rId4"/>
           <a:stretch>
             <a:fillRect/>
           </a:stretch>
         </p:blipFill>
         <p:spPr>
           <a:xfrm>
-            <a:off x="9836256" y="2455681"/>
+            <a:off x="9830816" y="2974793"/>
             <a:ext cx="409250" cy="400543"/>
           </a:xfrm>
           <a:prstGeom prst="rect">
@@ -7398,14 +8203,14 @@
           <p:nvPr/>
         </p:nvPicPr>
         <p:blipFill>
-          <a:blip r:embed="rId4"/>
+          <a:blip r:embed="rId5"/>
           <a:stretch>
             <a:fillRect/>
           </a:stretch>
         </p:blipFill>
         <p:spPr>
           <a:xfrm>
-            <a:off x="6760987" y="2506693"/>
+            <a:off x="6774401" y="2506693"/>
             <a:ext cx="323850" cy="323850"/>
           </a:xfrm>
           <a:prstGeom prst="rect">
@@ -7428,14 +8233,14 @@
           <p:nvPr/>
         </p:nvPicPr>
         <p:blipFill>
-          <a:blip r:embed="rId5"/>
+          <a:blip r:embed="rId6"/>
           <a:stretch>
             <a:fillRect/>
           </a:stretch>
         </p:blipFill>
         <p:spPr>
           <a:xfrm>
-            <a:off x="6760987" y="3013064"/>
+            <a:off x="6774401" y="3013064"/>
             <a:ext cx="319015" cy="324000"/>
           </a:xfrm>
           <a:prstGeom prst="rect">
@@ -7445,10 +8250,10 @@
       </p:pic>
       <p:sp>
         <p:nvSpPr>
-          <p:cNvPr id="11" name="文本框 10">
+          <p:cNvPr id="19" name="文本框 18">
             <a:extLst>
               <a:ext uri="{FF2B5EF4-FFF2-40B4-BE49-F238E27FC236}">
-                <a16:creationId xmlns:a16="http://schemas.microsoft.com/office/drawing/2014/main" id="{669A4A44-819B-457F-BBC7-ED502F2B18CF}"/>
+                <a16:creationId xmlns:a16="http://schemas.microsoft.com/office/drawing/2014/main" id="{8DAD81BD-99C1-4BFC-A9F0-1F556CFA1288}"/>
               </a:ext>
             </a:extLst>
           </p:cNvPr>
@@ -7494,10 +8299,10 @@
       </p:sp>
       <p:pic>
         <p:nvPicPr>
-          <p:cNvPr id="3" name="图片 2">
+          <p:cNvPr id="20" name="图片 19">
             <a:extLst>
               <a:ext uri="{FF2B5EF4-FFF2-40B4-BE49-F238E27FC236}">
-                <a16:creationId xmlns:a16="http://schemas.microsoft.com/office/drawing/2014/main" id="{B988CFDA-8336-46EC-AC2A-69F01902830A}"/>
+                <a16:creationId xmlns:a16="http://schemas.microsoft.com/office/drawing/2014/main" id="{F0A773A8-F35F-4870-AEEF-D00FF0E7FCC7}"/>
               </a:ext>
             </a:extLst>
           </p:cNvPr>
@@ -7507,14 +8312,14 @@
           <p:nvPr/>
         </p:nvPicPr>
         <p:blipFill>
-          <a:blip r:embed="rId6"/>
+          <a:blip r:embed="rId7"/>
           <a:stretch>
             <a:fillRect/>
           </a:stretch>
         </p:blipFill>
         <p:spPr>
           <a:xfrm>
-            <a:off x="1845786" y="1890712"/>
+            <a:off x="1859200" y="1890712"/>
             <a:ext cx="2543175" cy="3076575"/>
           </a:xfrm>
           <a:prstGeom prst="rect">
@@ -7524,10 +8329,10 @@
       </p:pic>
       <p:sp>
         <p:nvSpPr>
-          <p:cNvPr id="4" name="矩形 3">
+          <p:cNvPr id="3" name="矩形 2">
             <a:extLst>
               <a:ext uri="{FF2B5EF4-FFF2-40B4-BE49-F238E27FC236}">
-                <a16:creationId xmlns:a16="http://schemas.microsoft.com/office/drawing/2014/main" id="{CA0D1201-9083-42DB-AF8F-25308E2FE06A}"/>
+                <a16:creationId xmlns:a16="http://schemas.microsoft.com/office/drawing/2014/main" id="{58DCB7D2-0114-42BA-8C0C-CB33BEF18D0F}"/>
               </a:ext>
             </a:extLst>
           </p:cNvPr>
@@ -7536,15 +8341,15 @@
         </p:nvSpPr>
         <p:spPr>
           <a:xfrm>
-            <a:off x="5038392" y="1648278"/>
-            <a:ext cx="6714280" cy="307777"/>
+            <a:off x="5051806" y="1604660"/>
+            <a:ext cx="4493538" cy="307777"/>
           </a:xfrm>
           <a:prstGeom prst="rect">
             <a:avLst/>
           </a:prstGeom>
         </p:spPr>
         <p:txBody>
-          <a:bodyPr wrap="square">
+          <a:bodyPr wrap="none">
             <a:spAutoFit/>
           </a:bodyPr>
           <a:lstStyle/>
@@ -7557,7 +8362,7 @@
                 <a:latin typeface="新宋体" panose="02010609030101010101" pitchFamily="49" charset="-122"/>
                 <a:ea typeface="新宋体" panose="02010609030101010101" pitchFamily="49" charset="-122"/>
               </a:rPr>
-              <a:t>Database.RegisterDefault</a:t>
+              <a:t>HttpClient.New</a:t>
             </a:r>
             <a:r>
               <a:rPr lang="en-US" altLang="zh-CN" sz="1400" dirty="0">
@@ -7572,12 +8377,32 @@
             <a:r>
               <a:rPr lang="en-US" altLang="zh-CN" sz="1400" dirty="0">
                 <a:solidFill>
+                  <a:srgbClr val="0000FF"/>
+                </a:solidFill>
+                <a:latin typeface="新宋体" panose="02010609030101010101" pitchFamily="49" charset="-122"/>
+                <a:ea typeface="新宋体" panose="02010609030101010101" pitchFamily="49" charset="-122"/>
+              </a:rPr>
+              <a:t>new</a:t>
+            </a:r>
+            <a:r>
+              <a:rPr lang="en-US" altLang="zh-CN" sz="1400" dirty="0">
+                <a:solidFill>
+                  <a:srgbClr val="000000"/>
+                </a:solidFill>
+                <a:latin typeface="新宋体" panose="02010609030101010101" pitchFamily="49" charset="-122"/>
+                <a:ea typeface="新宋体" panose="02010609030101010101" pitchFamily="49" charset="-122"/>
+              </a:rPr>
+              <a:t> Uri(</a:t>
+            </a:r>
+            <a:r>
+              <a:rPr lang="en-US" altLang="zh-CN" sz="1400" dirty="0">
+                <a:solidFill>
                   <a:srgbClr val="A31515"/>
                 </a:solidFill>
                 <a:latin typeface="新宋体" panose="02010609030101010101" pitchFamily="49" charset="-122"/>
                 <a:ea typeface="新宋体" panose="02010609030101010101" pitchFamily="49" charset="-122"/>
               </a:rPr>
-              <a:t>"192.168.248.52"</a:t>
+              <a:t>"http://localhost:5000"</a:t>
             </a:r>
             <a:r>
               <a:rPr lang="en-US" altLang="zh-CN" sz="1400" dirty="0">
@@ -7587,67 +8412,7 @@
                 <a:latin typeface="新宋体" panose="02010609030101010101" pitchFamily="49" charset="-122"/>
                 <a:ea typeface="新宋体" panose="02010609030101010101" pitchFamily="49" charset="-122"/>
               </a:rPr>
-              <a:t>, </a:t>
-            </a:r>
-            <a:r>
-              <a:rPr lang="en-US" altLang="zh-CN" sz="1400" dirty="0">
-                <a:solidFill>
-                  <a:srgbClr val="A31515"/>
-                </a:solidFill>
-                <a:latin typeface="新宋体" panose="02010609030101010101" pitchFamily="49" charset="-122"/>
-                <a:ea typeface="新宋体" panose="02010609030101010101" pitchFamily="49" charset="-122"/>
-              </a:rPr>
-              <a:t>"TEST"</a:t>
-            </a:r>
-            <a:r>
-              <a:rPr lang="en-US" altLang="zh-CN" sz="1400" dirty="0">
-                <a:solidFill>
-                  <a:srgbClr val="000000"/>
-                </a:solidFill>
-                <a:latin typeface="新宋体" panose="02010609030101010101" pitchFamily="49" charset="-122"/>
-                <a:ea typeface="新宋体" panose="02010609030101010101" pitchFamily="49" charset="-122"/>
-              </a:rPr>
-              <a:t>, </a:t>
-            </a:r>
-            <a:r>
-              <a:rPr lang="en-US" altLang="zh-CN" sz="1400" dirty="0">
-                <a:solidFill>
-                  <a:srgbClr val="A31515"/>
-                </a:solidFill>
-                <a:latin typeface="新宋体" panose="02010609030101010101" pitchFamily="49" charset="-122"/>
-                <a:ea typeface="新宋体" panose="02010609030101010101" pitchFamily="49" charset="-122"/>
-              </a:rPr>
-              <a:t>"SHBPMO"</a:t>
-            </a:r>
-            <a:r>
-              <a:rPr lang="en-US" altLang="zh-CN" sz="1400" dirty="0">
-                <a:solidFill>
-                  <a:srgbClr val="000000"/>
-                </a:solidFill>
-                <a:latin typeface="新宋体" panose="02010609030101010101" pitchFamily="49" charset="-122"/>
-                <a:ea typeface="新宋体" panose="02010609030101010101" pitchFamily="49" charset="-122"/>
-              </a:rPr>
-              <a:t>, </a:t>
-            </a:r>
-            <a:r>
-              <a:rPr lang="en-US" altLang="zh-CN" sz="1400" dirty="0">
-                <a:solidFill>
-                  <a:srgbClr val="A31515"/>
-                </a:solidFill>
-                <a:latin typeface="新宋体" panose="02010609030101010101" pitchFamily="49" charset="-122"/>
-                <a:ea typeface="新宋体" panose="02010609030101010101" pitchFamily="49" charset="-122"/>
-              </a:rPr>
-              <a:t>"SHBPMO"</a:t>
-            </a:r>
-            <a:r>
-              <a:rPr lang="en-US" altLang="zh-CN" sz="1400" dirty="0">
-                <a:solidFill>
-                  <a:srgbClr val="000000"/>
-                </a:solidFill>
-                <a:latin typeface="新宋体" panose="02010609030101010101" pitchFamily="49" charset="-122"/>
-                <a:ea typeface="新宋体" panose="02010609030101010101" pitchFamily="49" charset="-122"/>
-              </a:rPr>
-              <a:t>);</a:t>
+              <a:t>))</a:t>
             </a:r>
             <a:endParaRPr lang="zh-CN" altLang="en-US" sz="1400" dirty="0"/>
           </a:p>
@@ -7656,7 +8421,7 @@
     </p:spTree>
     <p:extLst>
       <p:ext uri="{BB962C8B-B14F-4D97-AF65-F5344CB8AC3E}">
-        <p14:creationId xmlns:p14="http://schemas.microsoft.com/office/powerpoint/2010/main" val="2255685659"/>
+        <p14:creationId xmlns:p14="http://schemas.microsoft.com/office/powerpoint/2010/main" val="2704218847"/>
       </p:ext>
     </p:extLst>
   </p:cSld>
@@ -7713,17 +8478,17 @@
           <a:p>
             <a:r>
               <a:rPr lang="zh-CN" altLang="en-US" dirty="0"/>
-              <a:t>日志存储数据结构</a:t>
+              <a:t>终点：日志归集服务</a:t>
             </a:r>
           </a:p>
         </p:txBody>
       </p:sp>
       <p:pic>
         <p:nvPicPr>
-          <p:cNvPr id="3" name="图片 2">
+          <p:cNvPr id="5" name="图片 4">
             <a:extLst>
               <a:ext uri="{FF2B5EF4-FFF2-40B4-BE49-F238E27FC236}">
-                <a16:creationId xmlns:a16="http://schemas.microsoft.com/office/drawing/2014/main" id="{FC733790-C480-415F-B8DE-AD5A43985E0F}"/>
+                <a16:creationId xmlns:a16="http://schemas.microsoft.com/office/drawing/2014/main" id="{EEE6EAF9-CCF9-4C43-9792-C1FD7F59058C}"/>
               </a:ext>
             </a:extLst>
           </p:cNvPr>
@@ -7740,14 +8505,550 @@
         </p:blipFill>
         <p:spPr>
           <a:xfrm>
-            <a:off x="1899107" y="1928229"/>
-            <a:ext cx="2209800" cy="3962400"/>
+            <a:off x="5038392" y="2655953"/>
+            <a:ext cx="2965712" cy="1795903"/>
           </a:xfrm>
           <a:prstGeom prst="rect">
             <a:avLst/>
           </a:prstGeom>
         </p:spPr>
       </p:pic>
+      <p:sp>
+        <p:nvSpPr>
+          <p:cNvPr id="7" name="矩形 6">
+            <a:extLst>
+              <a:ext uri="{FF2B5EF4-FFF2-40B4-BE49-F238E27FC236}">
+                <a16:creationId xmlns:a16="http://schemas.microsoft.com/office/drawing/2014/main" id="{7D332E81-4573-4EDC-B2FF-1FC462D8CBB6}"/>
+              </a:ext>
+            </a:extLst>
+          </p:cNvPr>
+          <p:cNvSpPr/>
+          <p:nvPr/>
+        </p:nvSpPr>
+        <p:spPr>
+          <a:xfrm>
+            <a:off x="7155692" y="2475953"/>
+            <a:ext cx="2520000" cy="360000"/>
+          </a:xfrm>
+          <a:prstGeom prst="rect">
+            <a:avLst/>
+          </a:prstGeom>
+          <a:noFill/>
+          <a:ln w="9525" cap="flat" cmpd="sng" algn="ctr">
+            <a:solidFill>
+              <a:schemeClr val="accent3"/>
+            </a:solidFill>
+            <a:prstDash val="solid"/>
+            <a:round/>
+            <a:headEnd type="none" w="med" len="med"/>
+            <a:tailEnd type="none" w="med" len="med"/>
+          </a:ln>
+        </p:spPr>
+        <p:style>
+          <a:lnRef idx="0">
+            <a:scrgbClr r="0" g="0" b="0"/>
+          </a:lnRef>
+          <a:fillRef idx="0">
+            <a:scrgbClr r="0" g="0" b="0"/>
+          </a:fillRef>
+          <a:effectRef idx="0">
+            <a:scrgbClr r="0" g="0" b="0"/>
+          </a:effectRef>
+          <a:fontRef idx="minor">
+            <a:schemeClr val="accent3"/>
+          </a:fontRef>
+        </p:style>
+        <p:txBody>
+          <a:bodyPr rtlCol="0" anchor="ctr"/>
+          <a:lstStyle/>
+          <a:p>
+            <a:r>
+              <a:rPr lang="en-US" altLang="zh-CN" sz="1400" dirty="0"/>
+              <a:t>Database</a:t>
+            </a:r>
+            <a:endParaRPr lang="zh-CN" altLang="en-US" sz="1400" dirty="0"/>
+          </a:p>
+        </p:txBody>
+      </p:sp>
+      <p:sp>
+        <p:nvSpPr>
+          <p:cNvPr id="8" name="矩形 7">
+            <a:extLst>
+              <a:ext uri="{FF2B5EF4-FFF2-40B4-BE49-F238E27FC236}">
+                <a16:creationId xmlns:a16="http://schemas.microsoft.com/office/drawing/2014/main" id="{4D028C02-3B25-47CB-9344-72D455DBD172}"/>
+              </a:ext>
+            </a:extLst>
+          </p:cNvPr>
+          <p:cNvSpPr/>
+          <p:nvPr/>
+        </p:nvSpPr>
+        <p:spPr>
+          <a:xfrm>
+            <a:off x="7155692" y="3008987"/>
+            <a:ext cx="2520000" cy="360000"/>
+          </a:xfrm>
+          <a:prstGeom prst="rect">
+            <a:avLst/>
+          </a:prstGeom>
+          <a:noFill/>
+          <a:ln w="9525" cap="flat" cmpd="sng" algn="ctr">
+            <a:solidFill>
+              <a:schemeClr val="accent3"/>
+            </a:solidFill>
+            <a:prstDash val="solid"/>
+            <a:round/>
+            <a:headEnd type="none" w="med" len="med"/>
+            <a:tailEnd type="none" w="med" len="med"/>
+          </a:ln>
+        </p:spPr>
+        <p:style>
+          <a:lnRef idx="0">
+            <a:scrgbClr r="0" g="0" b="0"/>
+          </a:lnRef>
+          <a:fillRef idx="0">
+            <a:scrgbClr r="0" g="0" b="0"/>
+          </a:fillRef>
+          <a:effectRef idx="0">
+            <a:scrgbClr r="0" g="0" b="0"/>
+          </a:effectRef>
+          <a:fontRef idx="minor">
+            <a:schemeClr val="accent3"/>
+          </a:fontRef>
+        </p:style>
+        <p:txBody>
+          <a:bodyPr rtlCol="0" anchor="ctr"/>
+          <a:lstStyle/>
+          <a:p>
+            <a:r>
+              <a:rPr lang="en-US" altLang="zh-CN" sz="1400" dirty="0" err="1"/>
+              <a:t>UploadBaseAddress</a:t>
+            </a:r>
+            <a:endParaRPr lang="zh-CN" altLang="en-US" sz="1200" dirty="0"/>
+          </a:p>
+        </p:txBody>
+      </p:sp>
+      <p:sp>
+        <p:nvSpPr>
+          <p:cNvPr id="9" name="矩形 8">
+            <a:extLst>
+              <a:ext uri="{FF2B5EF4-FFF2-40B4-BE49-F238E27FC236}">
+                <a16:creationId xmlns:a16="http://schemas.microsoft.com/office/drawing/2014/main" id="{0E1F16FC-3417-4404-840B-548674004453}"/>
+              </a:ext>
+            </a:extLst>
+          </p:cNvPr>
+          <p:cNvSpPr/>
+          <p:nvPr/>
+        </p:nvSpPr>
+        <p:spPr>
+          <a:xfrm>
+            <a:off x="7155692" y="3542021"/>
+            <a:ext cx="2520000" cy="360000"/>
+          </a:xfrm>
+          <a:prstGeom prst="rect">
+            <a:avLst/>
+          </a:prstGeom>
+          <a:noFill/>
+          <a:ln w="9525" cap="flat" cmpd="sng" algn="ctr">
+            <a:solidFill>
+              <a:schemeClr val="accent3"/>
+            </a:solidFill>
+            <a:prstDash val="solid"/>
+            <a:round/>
+            <a:headEnd type="none" w="med" len="med"/>
+            <a:tailEnd type="none" w="med" len="med"/>
+          </a:ln>
+        </p:spPr>
+        <p:style>
+          <a:lnRef idx="0">
+            <a:scrgbClr r="0" g="0" b="0"/>
+          </a:lnRef>
+          <a:fillRef idx="0">
+            <a:scrgbClr r="0" g="0" b="0"/>
+          </a:fillRef>
+          <a:effectRef idx="0">
+            <a:scrgbClr r="0" g="0" b="0"/>
+          </a:effectRef>
+          <a:fontRef idx="minor">
+            <a:schemeClr val="accent3"/>
+          </a:fontRef>
+        </p:style>
+        <p:txBody>
+          <a:bodyPr rtlCol="0" anchor="ctr"/>
+          <a:lstStyle/>
+          <a:p>
+            <a:r>
+              <a:rPr lang="en-US" altLang="zh-CN" sz="1400" dirty="0" err="1"/>
+              <a:t>UploadValidityMinutes</a:t>
+            </a:r>
+            <a:endParaRPr lang="zh-CN" altLang="en-US" sz="1200" dirty="0"/>
+          </a:p>
+        </p:txBody>
+      </p:sp>
+      <p:pic>
+        <p:nvPicPr>
+          <p:cNvPr id="16" name="图片 15">
+            <a:extLst>
+              <a:ext uri="{FF2B5EF4-FFF2-40B4-BE49-F238E27FC236}">
+                <a16:creationId xmlns:a16="http://schemas.microsoft.com/office/drawing/2014/main" id="{B1A46EB9-05DA-4014-8D59-3C9D4A778136}"/>
+              </a:ext>
+            </a:extLst>
+          </p:cNvPr>
+          <p:cNvPicPr>
+            <a:picLocks noChangeAspect="1"/>
+          </p:cNvPicPr>
+          <p:nvPr/>
+        </p:nvPicPr>
+        <p:blipFill>
+          <a:blip r:embed="rId3"/>
+          <a:stretch>
+            <a:fillRect/>
+          </a:stretch>
+        </p:blipFill>
+        <p:spPr>
+          <a:xfrm>
+            <a:off x="9836256" y="2455681"/>
+            <a:ext cx="409250" cy="400543"/>
+          </a:xfrm>
+          <a:prstGeom prst="rect">
+            <a:avLst/>
+          </a:prstGeom>
+        </p:spPr>
+      </p:pic>
+      <p:pic>
+        <p:nvPicPr>
+          <p:cNvPr id="17" name="图片 16">
+            <a:extLst>
+              <a:ext uri="{FF2B5EF4-FFF2-40B4-BE49-F238E27FC236}">
+                <a16:creationId xmlns:a16="http://schemas.microsoft.com/office/drawing/2014/main" id="{375C8BF5-D114-4C8F-80B3-0C24866DA912}"/>
+              </a:ext>
+            </a:extLst>
+          </p:cNvPr>
+          <p:cNvPicPr>
+            <a:picLocks noChangeAspect="1"/>
+          </p:cNvPicPr>
+          <p:nvPr/>
+        </p:nvPicPr>
+        <p:blipFill>
+          <a:blip r:embed="rId4"/>
+          <a:stretch>
+            <a:fillRect/>
+          </a:stretch>
+        </p:blipFill>
+        <p:spPr>
+          <a:xfrm>
+            <a:off x="6760987" y="2506693"/>
+            <a:ext cx="323850" cy="323850"/>
+          </a:xfrm>
+          <a:prstGeom prst="rect">
+            <a:avLst/>
+          </a:prstGeom>
+        </p:spPr>
+      </p:pic>
+      <p:pic>
+        <p:nvPicPr>
+          <p:cNvPr id="18" name="图片 17">
+            <a:extLst>
+              <a:ext uri="{FF2B5EF4-FFF2-40B4-BE49-F238E27FC236}">
+                <a16:creationId xmlns:a16="http://schemas.microsoft.com/office/drawing/2014/main" id="{75429B41-6320-47D3-AF92-6B2F97EDF8AC}"/>
+              </a:ext>
+            </a:extLst>
+          </p:cNvPr>
+          <p:cNvPicPr>
+            <a:picLocks noChangeAspect="1"/>
+          </p:cNvPicPr>
+          <p:nvPr/>
+        </p:nvPicPr>
+        <p:blipFill>
+          <a:blip r:embed="rId5"/>
+          <a:stretch>
+            <a:fillRect/>
+          </a:stretch>
+        </p:blipFill>
+        <p:spPr>
+          <a:xfrm>
+            <a:off x="6760987" y="3013064"/>
+            <a:ext cx="319015" cy="324000"/>
+          </a:xfrm>
+          <a:prstGeom prst="rect">
+            <a:avLst/>
+          </a:prstGeom>
+        </p:spPr>
+      </p:pic>
+      <p:sp>
+        <p:nvSpPr>
+          <p:cNvPr id="11" name="文本框 10">
+            <a:extLst>
+              <a:ext uri="{FF2B5EF4-FFF2-40B4-BE49-F238E27FC236}">
+                <a16:creationId xmlns:a16="http://schemas.microsoft.com/office/drawing/2014/main" id="{669A4A44-819B-457F-BBC7-ED502F2B18CF}"/>
+              </a:ext>
+            </a:extLst>
+          </p:cNvPr>
+          <p:cNvSpPr txBox="1"/>
+          <p:nvPr/>
+        </p:nvSpPr>
+        <p:spPr>
+          <a:xfrm>
+            <a:off x="0" y="6550568"/>
+            <a:ext cx="4185761" cy="276999"/>
+          </a:xfrm>
+          <a:prstGeom prst="rect">
+            <a:avLst/>
+          </a:prstGeom>
+          <a:noFill/>
+        </p:spPr>
+        <p:txBody>
+          <a:bodyPr wrap="none" rtlCol="0">
+            <a:spAutoFit/>
+          </a:bodyPr>
+          <a:lstStyle/>
+          <a:p>
+            <a:r>
+              <a:rPr lang="zh-CN" altLang="en-US" sz="1200" dirty="0">
+                <a:latin typeface="宋体" panose="02010600030101010101" pitchFamily="2" charset="-122"/>
+                <a:ea typeface="宋体" panose="02010600030101010101" pitchFamily="2" charset="-122"/>
+              </a:rPr>
+              <a:t>注：示例代码见</a:t>
+            </a:r>
+            <a:r>
+              <a:rPr lang="en-US" altLang="zh-CN" sz="1200" dirty="0" err="1">
+                <a:latin typeface="宋体" panose="02010600030101010101" pitchFamily="2" charset="-122"/>
+                <a:ea typeface="宋体" panose="02010600030101010101" pitchFamily="2" charset="-122"/>
+              </a:rPr>
+              <a:t>Demo.Phenix.Core.Net.Http.OfflineCache</a:t>
+            </a:r>
+            <a:endParaRPr lang="zh-CN" altLang="en-US" sz="1200" dirty="0">
+              <a:latin typeface="宋体" panose="02010600030101010101" pitchFamily="2" charset="-122"/>
+              <a:ea typeface="宋体" panose="02010600030101010101" pitchFamily="2" charset="-122"/>
+            </a:endParaRPr>
+          </a:p>
+        </p:txBody>
+      </p:sp>
+      <p:pic>
+        <p:nvPicPr>
+          <p:cNvPr id="3" name="图片 2">
+            <a:extLst>
+              <a:ext uri="{FF2B5EF4-FFF2-40B4-BE49-F238E27FC236}">
+                <a16:creationId xmlns:a16="http://schemas.microsoft.com/office/drawing/2014/main" id="{B988CFDA-8336-46EC-AC2A-69F01902830A}"/>
+              </a:ext>
+            </a:extLst>
+          </p:cNvPr>
+          <p:cNvPicPr>
+            <a:picLocks noChangeAspect="1"/>
+          </p:cNvPicPr>
+          <p:nvPr/>
+        </p:nvPicPr>
+        <p:blipFill>
+          <a:blip r:embed="rId6"/>
+          <a:stretch>
+            <a:fillRect/>
+          </a:stretch>
+        </p:blipFill>
+        <p:spPr>
+          <a:xfrm>
+            <a:off x="1845786" y="1890712"/>
+            <a:ext cx="2543175" cy="3076575"/>
+          </a:xfrm>
+          <a:prstGeom prst="rect">
+            <a:avLst/>
+          </a:prstGeom>
+        </p:spPr>
+      </p:pic>
+      <p:sp>
+        <p:nvSpPr>
+          <p:cNvPr id="4" name="矩形 3">
+            <a:extLst>
+              <a:ext uri="{FF2B5EF4-FFF2-40B4-BE49-F238E27FC236}">
+                <a16:creationId xmlns:a16="http://schemas.microsoft.com/office/drawing/2014/main" id="{CA0D1201-9083-42DB-AF8F-25308E2FE06A}"/>
+              </a:ext>
+            </a:extLst>
+          </p:cNvPr>
+          <p:cNvSpPr/>
+          <p:nvPr/>
+        </p:nvSpPr>
+        <p:spPr>
+          <a:xfrm>
+            <a:off x="5038392" y="1648278"/>
+            <a:ext cx="6714280" cy="307777"/>
+          </a:xfrm>
+          <a:prstGeom prst="rect">
+            <a:avLst/>
+          </a:prstGeom>
+        </p:spPr>
+        <p:txBody>
+          <a:bodyPr wrap="square">
+            <a:spAutoFit/>
+          </a:bodyPr>
+          <a:lstStyle/>
+          <a:p>
+            <a:r>
+              <a:rPr lang="en-US" altLang="zh-CN" sz="1400" dirty="0" err="1">
+                <a:solidFill>
+                  <a:srgbClr val="000000"/>
+                </a:solidFill>
+                <a:latin typeface="新宋体" panose="02010609030101010101" pitchFamily="49" charset="-122"/>
+                <a:ea typeface="新宋体" panose="02010609030101010101" pitchFamily="49" charset="-122"/>
+              </a:rPr>
+              <a:t>Database.RegisterDefault</a:t>
+            </a:r>
+            <a:r>
+              <a:rPr lang="en-US" altLang="zh-CN" sz="1400" dirty="0">
+                <a:solidFill>
+                  <a:srgbClr val="000000"/>
+                </a:solidFill>
+                <a:latin typeface="新宋体" panose="02010609030101010101" pitchFamily="49" charset="-122"/>
+                <a:ea typeface="新宋体" panose="02010609030101010101" pitchFamily="49" charset="-122"/>
+              </a:rPr>
+              <a:t>(</a:t>
+            </a:r>
+            <a:r>
+              <a:rPr lang="en-US" altLang="zh-CN" sz="1400" dirty="0">
+                <a:solidFill>
+                  <a:srgbClr val="A31515"/>
+                </a:solidFill>
+                <a:latin typeface="新宋体" panose="02010609030101010101" pitchFamily="49" charset="-122"/>
+                <a:ea typeface="新宋体" panose="02010609030101010101" pitchFamily="49" charset="-122"/>
+              </a:rPr>
+              <a:t>"192.168.248.52"</a:t>
+            </a:r>
+            <a:r>
+              <a:rPr lang="en-US" altLang="zh-CN" sz="1400" dirty="0">
+                <a:solidFill>
+                  <a:srgbClr val="000000"/>
+                </a:solidFill>
+                <a:latin typeface="新宋体" panose="02010609030101010101" pitchFamily="49" charset="-122"/>
+                <a:ea typeface="新宋体" panose="02010609030101010101" pitchFamily="49" charset="-122"/>
+              </a:rPr>
+              <a:t>, </a:t>
+            </a:r>
+            <a:r>
+              <a:rPr lang="en-US" altLang="zh-CN" sz="1400" dirty="0">
+                <a:solidFill>
+                  <a:srgbClr val="A31515"/>
+                </a:solidFill>
+                <a:latin typeface="新宋体" panose="02010609030101010101" pitchFamily="49" charset="-122"/>
+                <a:ea typeface="新宋体" panose="02010609030101010101" pitchFamily="49" charset="-122"/>
+              </a:rPr>
+              <a:t>"TEST"</a:t>
+            </a:r>
+            <a:r>
+              <a:rPr lang="en-US" altLang="zh-CN" sz="1400" dirty="0">
+                <a:solidFill>
+                  <a:srgbClr val="000000"/>
+                </a:solidFill>
+                <a:latin typeface="新宋体" panose="02010609030101010101" pitchFamily="49" charset="-122"/>
+                <a:ea typeface="新宋体" panose="02010609030101010101" pitchFamily="49" charset="-122"/>
+              </a:rPr>
+              <a:t>, </a:t>
+            </a:r>
+            <a:r>
+              <a:rPr lang="en-US" altLang="zh-CN" sz="1400" dirty="0">
+                <a:solidFill>
+                  <a:srgbClr val="A31515"/>
+                </a:solidFill>
+                <a:latin typeface="新宋体" panose="02010609030101010101" pitchFamily="49" charset="-122"/>
+                <a:ea typeface="新宋体" panose="02010609030101010101" pitchFamily="49" charset="-122"/>
+              </a:rPr>
+              <a:t>"SHBPMO"</a:t>
+            </a:r>
+            <a:r>
+              <a:rPr lang="en-US" altLang="zh-CN" sz="1400" dirty="0">
+                <a:solidFill>
+                  <a:srgbClr val="000000"/>
+                </a:solidFill>
+                <a:latin typeface="新宋体" panose="02010609030101010101" pitchFamily="49" charset="-122"/>
+                <a:ea typeface="新宋体" panose="02010609030101010101" pitchFamily="49" charset="-122"/>
+              </a:rPr>
+              <a:t>, </a:t>
+            </a:r>
+            <a:r>
+              <a:rPr lang="en-US" altLang="zh-CN" sz="1400" dirty="0">
+                <a:solidFill>
+                  <a:srgbClr val="A31515"/>
+                </a:solidFill>
+                <a:latin typeface="新宋体" panose="02010609030101010101" pitchFamily="49" charset="-122"/>
+                <a:ea typeface="新宋体" panose="02010609030101010101" pitchFamily="49" charset="-122"/>
+              </a:rPr>
+              <a:t>"SHBPMO"</a:t>
+            </a:r>
+            <a:r>
+              <a:rPr lang="en-US" altLang="zh-CN" sz="1400" dirty="0">
+                <a:solidFill>
+                  <a:srgbClr val="000000"/>
+                </a:solidFill>
+                <a:latin typeface="新宋体" panose="02010609030101010101" pitchFamily="49" charset="-122"/>
+                <a:ea typeface="新宋体" panose="02010609030101010101" pitchFamily="49" charset="-122"/>
+              </a:rPr>
+              <a:t>);</a:t>
+            </a:r>
+            <a:endParaRPr lang="zh-CN" altLang="en-US" sz="1400" dirty="0"/>
+          </a:p>
+        </p:txBody>
+      </p:sp>
+    </p:spTree>
+    <p:extLst>
+      <p:ext uri="{BB962C8B-B14F-4D97-AF65-F5344CB8AC3E}">
+        <p14:creationId xmlns:p14="http://schemas.microsoft.com/office/powerpoint/2010/main" val="2255685659"/>
+      </p:ext>
+    </p:extLst>
+  </p:cSld>
+  <p:clrMapOvr>
+    <a:masterClrMapping/>
+  </p:clrMapOvr>
+</p:sld>
+</file>
+
+<file path=ppt/slides/slide7.xml><?xml version="1.0" encoding="utf-8"?>
+<p:sld xmlns:a="http://schemas.openxmlformats.org/drawingml/2006/main" xmlns:r="http://schemas.openxmlformats.org/officeDocument/2006/relationships" xmlns:p="http://schemas.openxmlformats.org/presentationml/2006/main">
+  <p:cSld>
+    <p:spTree>
+      <p:nvGrpSpPr>
+        <p:cNvPr id="1" name=""/>
+        <p:cNvGrpSpPr/>
+        <p:nvPr/>
+      </p:nvGrpSpPr>
+      <p:grpSpPr>
+        <a:xfrm>
+          <a:off x="0" y="0"/>
+          <a:ext cx="0" cy="0"/>
+          <a:chOff x="0" y="0"/>
+          <a:chExt cx="0" cy="0"/>
+        </a:xfrm>
+      </p:grpSpPr>
+      <p:sp>
+        <p:nvSpPr>
+          <p:cNvPr id="2" name="标题 1">
+            <a:extLst>
+              <a:ext uri="{FF2B5EF4-FFF2-40B4-BE49-F238E27FC236}">
+                <a16:creationId xmlns:a16="http://schemas.microsoft.com/office/drawing/2014/main" id="{74747AF7-1460-425F-928C-58B01707A50B}"/>
+              </a:ext>
+            </a:extLst>
+          </p:cNvPr>
+          <p:cNvSpPr>
+            <a:spLocks noGrp="1"/>
+          </p:cNvSpPr>
+          <p:nvPr>
+            <p:ph type="title"/>
+          </p:nvPr>
+        </p:nvSpPr>
+        <p:spPr>
+          <a:xfrm>
+            <a:off x="1" y="307432"/>
+            <a:ext cx="12191999" cy="861491"/>
+          </a:xfrm>
+        </p:spPr>
+        <p:txBody>
+          <a:bodyPr>
+            <a:normAutofit/>
+          </a:bodyPr>
+          <a:lstStyle/>
+          <a:p>
+            <a:r>
+              <a:rPr lang="zh-CN" altLang="en-US" dirty="0"/>
+              <a:t>日志数据库的数据结构</a:t>
+            </a:r>
+          </a:p>
+        </p:txBody>
+      </p:sp>
       <p:sp>
         <p:nvSpPr>
           <p:cNvPr id="4" name="矩形 3">
@@ -7762,7 +9063,7 @@
         </p:nvSpPr>
         <p:spPr>
           <a:xfrm>
-            <a:off x="4632960" y="1928229"/>
+            <a:off x="3784547" y="2090172"/>
             <a:ext cx="5784916" cy="2677656"/>
           </a:xfrm>
           <a:prstGeom prst="rect">
